--- a/media/media.pptx
+++ b/media/media.pptx
@@ -118,13 +118,286 @@
 <file path=ppt/revisionInfo.xml><?xml version="1.0" encoding="utf-8"?>
 <p1510:revInfo xmlns:a="http://schemas.openxmlformats.org/drawingml/2006/main" xmlns:r="http://schemas.openxmlformats.org/officeDocument/2006/relationships" xmlns:p1510="http://schemas.microsoft.com/office/powerpoint/2015/10/main">
   <p1510:revLst>
-    <p1510:client id="{F25E99E5-8171-44C4-9A87-28BE82CA5281}" v="84" dt="2023-07-21T05:45:40.656"/>
+    <p1510:client id="{F25E99E5-8171-44C4-9A87-28BE82CA5281}" v="88" dt="2023-07-21T05:50:03.331"/>
+    <p1510:client id="{F8300C32-5263-4B74-B2E3-4EA29E77E1C0}" v="4" dt="2023-07-21T06:22:11.429"/>
   </p1510:revLst>
 </p1510:revInfo>
 </file>
 
 <file path=ppt/changesInfos/changesInfo1.xml><?xml version="1.0" encoding="utf-8"?>
 <pc:chgInfo xmlns:a="http://schemas.openxmlformats.org/drawingml/2006/main" xmlns:r="http://schemas.openxmlformats.org/officeDocument/2006/relationships" xmlns:ac="http://schemas.microsoft.com/office/drawing/2013/main/command" xmlns:pc="http://schemas.microsoft.com/office/powerpoint/2013/main/command">
+  <pc:docChgLst>
+    <pc:chgData name="Bo Tang" userId="332dbdf67b1791cd" providerId="LiveId" clId="{F8300C32-5263-4B74-B2E3-4EA29E77E1C0}"/>
+    <pc:docChg chg="modSld">
+      <pc:chgData name="Bo Tang" userId="332dbdf67b1791cd" providerId="LiveId" clId="{F8300C32-5263-4B74-B2E3-4EA29E77E1C0}" dt="2023-07-21T06:22:11.429" v="3" actId="20577"/>
+      <pc:docMkLst>
+        <pc:docMk/>
+      </pc:docMkLst>
+      <pc:sldChg chg="modSp">
+        <pc:chgData name="Bo Tang" userId="332dbdf67b1791cd" providerId="LiveId" clId="{F8300C32-5263-4B74-B2E3-4EA29E77E1C0}" dt="2023-07-21T06:22:11.429" v="3" actId="20577"/>
+        <pc:sldMkLst>
+          <pc:docMk/>
+          <pc:sldMk cId="3064724767" sldId="258"/>
+        </pc:sldMkLst>
+        <pc:spChg chg="mod">
+          <ac:chgData name="Bo Tang" userId="332dbdf67b1791cd" providerId="LiveId" clId="{F8300C32-5263-4B74-B2E3-4EA29E77E1C0}" dt="2023-07-21T06:22:09.246" v="2" actId="20577"/>
+          <ac:spMkLst>
+            <pc:docMk/>
+            <pc:sldMk cId="3064724767" sldId="258"/>
+            <ac:spMk id="7" creationId="{6D66BA6B-4F85-470E-D43A-D39CF7BA0519}"/>
+          </ac:spMkLst>
+        </pc:spChg>
+        <pc:spChg chg="mod">
+          <ac:chgData name="Bo Tang" userId="332dbdf67b1791cd" providerId="LiveId" clId="{F8300C32-5263-4B74-B2E3-4EA29E77E1C0}" dt="2023-07-21T06:22:09.246" v="2" actId="20577"/>
+          <ac:spMkLst>
+            <pc:docMk/>
+            <pc:sldMk cId="3064724767" sldId="258"/>
+            <ac:spMk id="12" creationId="{097B04A7-54BA-F9BA-AE25-897611392C69}"/>
+          </ac:spMkLst>
+        </pc:spChg>
+        <pc:spChg chg="mod">
+          <ac:chgData name="Bo Tang" userId="332dbdf67b1791cd" providerId="LiveId" clId="{F8300C32-5263-4B74-B2E3-4EA29E77E1C0}" dt="2023-07-21T06:22:09.246" v="2" actId="20577"/>
+          <ac:spMkLst>
+            <pc:docMk/>
+            <pc:sldMk cId="3064724767" sldId="258"/>
+            <ac:spMk id="14" creationId="{F5259003-3811-BF4F-3581-1747D97A8481}"/>
+          </ac:spMkLst>
+        </pc:spChg>
+        <pc:spChg chg="mod">
+          <ac:chgData name="Bo Tang" userId="332dbdf67b1791cd" providerId="LiveId" clId="{F8300C32-5263-4B74-B2E3-4EA29E77E1C0}" dt="2023-07-21T06:22:11.429" v="3" actId="20577"/>
+          <ac:spMkLst>
+            <pc:docMk/>
+            <pc:sldMk cId="3064724767" sldId="258"/>
+            <ac:spMk id="19" creationId="{A4EC6E4C-96E4-BDA8-EC5E-260EB0E29473}"/>
+          </ac:spMkLst>
+        </pc:spChg>
+        <pc:spChg chg="mod">
+          <ac:chgData name="Bo Tang" userId="332dbdf67b1791cd" providerId="LiveId" clId="{F8300C32-5263-4B74-B2E3-4EA29E77E1C0}" dt="2023-07-21T06:22:09.246" v="2" actId="20577"/>
+          <ac:spMkLst>
+            <pc:docMk/>
+            <pc:sldMk cId="3064724767" sldId="258"/>
+            <ac:spMk id="24" creationId="{25590139-F504-D180-D378-55F7012ECE8F}"/>
+          </ac:spMkLst>
+        </pc:spChg>
+        <pc:spChg chg="mod">
+          <ac:chgData name="Bo Tang" userId="332dbdf67b1791cd" providerId="LiveId" clId="{F8300C32-5263-4B74-B2E3-4EA29E77E1C0}" dt="2023-07-21T06:22:09.246" v="2" actId="20577"/>
+          <ac:spMkLst>
+            <pc:docMk/>
+            <pc:sldMk cId="3064724767" sldId="258"/>
+            <ac:spMk id="27" creationId="{F6A19C1F-1A99-A755-8E67-F89E46E7C964}"/>
+          </ac:spMkLst>
+        </pc:spChg>
+        <pc:spChg chg="mod">
+          <ac:chgData name="Bo Tang" userId="332dbdf67b1791cd" providerId="LiveId" clId="{F8300C32-5263-4B74-B2E3-4EA29E77E1C0}" dt="2023-07-21T06:22:09.246" v="2" actId="20577"/>
+          <ac:spMkLst>
+            <pc:docMk/>
+            <pc:sldMk cId="3064724767" sldId="258"/>
+            <ac:spMk id="34" creationId="{AB3013BD-6D43-865E-DE1F-E9BE3FEF6C08}"/>
+          </ac:spMkLst>
+        </pc:spChg>
+        <pc:spChg chg="mod">
+          <ac:chgData name="Bo Tang" userId="332dbdf67b1791cd" providerId="LiveId" clId="{F8300C32-5263-4B74-B2E3-4EA29E77E1C0}" dt="2023-07-21T06:22:09.246" v="2" actId="20577"/>
+          <ac:spMkLst>
+            <pc:docMk/>
+            <pc:sldMk cId="3064724767" sldId="258"/>
+            <ac:spMk id="35" creationId="{F16A98BE-0925-E729-0C96-CEE6ED79E24D}"/>
+          </ac:spMkLst>
+        </pc:spChg>
+        <pc:spChg chg="mod">
+          <ac:chgData name="Bo Tang" userId="332dbdf67b1791cd" providerId="LiveId" clId="{F8300C32-5263-4B74-B2E3-4EA29E77E1C0}" dt="2023-07-21T06:22:09.246" v="2" actId="20577"/>
+          <ac:spMkLst>
+            <pc:docMk/>
+            <pc:sldMk cId="3064724767" sldId="258"/>
+            <ac:spMk id="36" creationId="{AC06B5EC-EB24-E611-81A6-40766C9AFD4A}"/>
+          </ac:spMkLst>
+        </pc:spChg>
+        <pc:spChg chg="mod">
+          <ac:chgData name="Bo Tang" userId="332dbdf67b1791cd" providerId="LiveId" clId="{F8300C32-5263-4B74-B2E3-4EA29E77E1C0}" dt="2023-07-21T06:22:09.246" v="2" actId="20577"/>
+          <ac:spMkLst>
+            <pc:docMk/>
+            <pc:sldMk cId="3064724767" sldId="258"/>
+            <ac:spMk id="37" creationId="{999DFAEF-E3E1-B3A2-0AE3-2F5CF112F247}"/>
+          </ac:spMkLst>
+        </pc:spChg>
+        <pc:spChg chg="mod">
+          <ac:chgData name="Bo Tang" userId="332dbdf67b1791cd" providerId="LiveId" clId="{F8300C32-5263-4B74-B2E3-4EA29E77E1C0}" dt="2023-07-21T06:22:09.246" v="2" actId="20577"/>
+          <ac:spMkLst>
+            <pc:docMk/>
+            <pc:sldMk cId="3064724767" sldId="258"/>
+            <ac:spMk id="38" creationId="{9E8F8448-237B-9F26-4877-B868A41E692B}"/>
+          </ac:spMkLst>
+        </pc:spChg>
+        <pc:spChg chg="mod">
+          <ac:chgData name="Bo Tang" userId="332dbdf67b1791cd" providerId="LiveId" clId="{F8300C32-5263-4B74-B2E3-4EA29E77E1C0}" dt="2023-07-21T06:22:09.246" v="2" actId="20577"/>
+          <ac:spMkLst>
+            <pc:docMk/>
+            <pc:sldMk cId="3064724767" sldId="258"/>
+            <ac:spMk id="39" creationId="{4CF7CD58-1FE5-3471-5D14-161A14B31DBA}"/>
+          </ac:spMkLst>
+        </pc:spChg>
+        <pc:spChg chg="mod">
+          <ac:chgData name="Bo Tang" userId="332dbdf67b1791cd" providerId="LiveId" clId="{F8300C32-5263-4B74-B2E3-4EA29E77E1C0}" dt="2023-07-21T06:22:09.246" v="2" actId="20577"/>
+          <ac:spMkLst>
+            <pc:docMk/>
+            <pc:sldMk cId="3064724767" sldId="258"/>
+            <ac:spMk id="40" creationId="{A44ACD44-D904-6BC4-F769-1E4B67BA3E29}"/>
+          </ac:spMkLst>
+        </pc:spChg>
+        <pc:spChg chg="mod">
+          <ac:chgData name="Bo Tang" userId="332dbdf67b1791cd" providerId="LiveId" clId="{F8300C32-5263-4B74-B2E3-4EA29E77E1C0}" dt="2023-07-21T06:22:09.246" v="2" actId="20577"/>
+          <ac:spMkLst>
+            <pc:docMk/>
+            <pc:sldMk cId="3064724767" sldId="258"/>
+            <ac:spMk id="41" creationId="{860AC572-45D0-E7AE-76E2-E083C25F8529}"/>
+          </ac:spMkLst>
+        </pc:spChg>
+        <pc:spChg chg="mod">
+          <ac:chgData name="Bo Tang" userId="332dbdf67b1791cd" providerId="LiveId" clId="{F8300C32-5263-4B74-B2E3-4EA29E77E1C0}" dt="2023-07-21T06:22:09.246" v="2" actId="20577"/>
+          <ac:spMkLst>
+            <pc:docMk/>
+            <pc:sldMk cId="3064724767" sldId="258"/>
+            <ac:spMk id="42" creationId="{21B84C9B-E4D3-F3B4-3CDE-4D0EDD3DACBF}"/>
+          </ac:spMkLst>
+        </pc:spChg>
+        <pc:spChg chg="mod">
+          <ac:chgData name="Bo Tang" userId="332dbdf67b1791cd" providerId="LiveId" clId="{F8300C32-5263-4B74-B2E3-4EA29E77E1C0}" dt="2023-07-21T06:22:09.246" v="2" actId="20577"/>
+          <ac:spMkLst>
+            <pc:docMk/>
+            <pc:sldMk cId="3064724767" sldId="258"/>
+            <ac:spMk id="45" creationId="{269BC946-7E1C-7598-0B84-8773539E9912}"/>
+          </ac:spMkLst>
+        </pc:spChg>
+        <pc:spChg chg="mod">
+          <ac:chgData name="Bo Tang" userId="332dbdf67b1791cd" providerId="LiveId" clId="{F8300C32-5263-4B74-B2E3-4EA29E77E1C0}" dt="2023-07-21T06:22:09.246" v="2" actId="20577"/>
+          <ac:spMkLst>
+            <pc:docMk/>
+            <pc:sldMk cId="3064724767" sldId="258"/>
+            <ac:spMk id="46" creationId="{289B424D-FD88-CE8C-C3B5-4CA1A670DC67}"/>
+          </ac:spMkLst>
+        </pc:spChg>
+        <pc:spChg chg="mod">
+          <ac:chgData name="Bo Tang" userId="332dbdf67b1791cd" providerId="LiveId" clId="{F8300C32-5263-4B74-B2E3-4EA29E77E1C0}" dt="2023-07-21T06:22:09.246" v="2" actId="20577"/>
+          <ac:spMkLst>
+            <pc:docMk/>
+            <pc:sldMk cId="3064724767" sldId="258"/>
+            <ac:spMk id="47" creationId="{C3F00F31-740F-3DD8-8DD8-FC69E20D383B}"/>
+          </ac:spMkLst>
+        </pc:spChg>
+        <pc:spChg chg="mod">
+          <ac:chgData name="Bo Tang" userId="332dbdf67b1791cd" providerId="LiveId" clId="{F8300C32-5263-4B74-B2E3-4EA29E77E1C0}" dt="2023-07-21T06:22:09.246" v="2" actId="20577"/>
+          <ac:spMkLst>
+            <pc:docMk/>
+            <pc:sldMk cId="3064724767" sldId="258"/>
+            <ac:spMk id="48" creationId="{A8AE3715-CA63-5ACF-3C13-E3858E8763EC}"/>
+          </ac:spMkLst>
+        </pc:spChg>
+        <pc:spChg chg="mod">
+          <ac:chgData name="Bo Tang" userId="332dbdf67b1791cd" providerId="LiveId" clId="{F8300C32-5263-4B74-B2E3-4EA29E77E1C0}" dt="2023-07-21T06:22:09.246" v="2" actId="20577"/>
+          <ac:spMkLst>
+            <pc:docMk/>
+            <pc:sldMk cId="3064724767" sldId="258"/>
+            <ac:spMk id="49" creationId="{13446274-3CE8-62EB-32E3-338A5DBDF67B}"/>
+          </ac:spMkLst>
+        </pc:spChg>
+        <pc:spChg chg="mod">
+          <ac:chgData name="Bo Tang" userId="332dbdf67b1791cd" providerId="LiveId" clId="{F8300C32-5263-4B74-B2E3-4EA29E77E1C0}" dt="2023-07-21T06:22:09.246" v="2" actId="20577"/>
+          <ac:spMkLst>
+            <pc:docMk/>
+            <pc:sldMk cId="3064724767" sldId="258"/>
+            <ac:spMk id="52" creationId="{8A3C863A-0929-DAA0-E455-068216B65E0C}"/>
+          </ac:spMkLst>
+        </pc:spChg>
+        <pc:spChg chg="mod">
+          <ac:chgData name="Bo Tang" userId="332dbdf67b1791cd" providerId="LiveId" clId="{F8300C32-5263-4B74-B2E3-4EA29E77E1C0}" dt="2023-07-21T06:22:09.246" v="2" actId="20577"/>
+          <ac:spMkLst>
+            <pc:docMk/>
+            <pc:sldMk cId="3064724767" sldId="258"/>
+            <ac:spMk id="53" creationId="{5275524D-E7F3-6CB8-4D1F-5CBE0A218AAD}"/>
+          </ac:spMkLst>
+        </pc:spChg>
+        <pc:spChg chg="mod">
+          <ac:chgData name="Bo Tang" userId="332dbdf67b1791cd" providerId="LiveId" clId="{F8300C32-5263-4B74-B2E3-4EA29E77E1C0}" dt="2023-07-21T06:22:09.246" v="2" actId="20577"/>
+          <ac:spMkLst>
+            <pc:docMk/>
+            <pc:sldMk cId="3064724767" sldId="258"/>
+            <ac:spMk id="58" creationId="{33B20A6C-05CB-78E8-6DD0-19C25471AEAF}"/>
+          </ac:spMkLst>
+        </pc:spChg>
+        <pc:spChg chg="mod">
+          <ac:chgData name="Bo Tang" userId="332dbdf67b1791cd" providerId="LiveId" clId="{F8300C32-5263-4B74-B2E3-4EA29E77E1C0}" dt="2023-07-21T06:22:09.246" v="2" actId="20577"/>
+          <ac:spMkLst>
+            <pc:docMk/>
+            <pc:sldMk cId="3064724767" sldId="258"/>
+            <ac:spMk id="59" creationId="{1D0A7300-DD0D-F7AE-0242-75956261F10E}"/>
+          </ac:spMkLst>
+        </pc:spChg>
+        <pc:spChg chg="mod">
+          <ac:chgData name="Bo Tang" userId="332dbdf67b1791cd" providerId="LiveId" clId="{F8300C32-5263-4B74-B2E3-4EA29E77E1C0}" dt="2023-07-21T06:22:09.246" v="2" actId="20577"/>
+          <ac:spMkLst>
+            <pc:docMk/>
+            <pc:sldMk cId="3064724767" sldId="258"/>
+            <ac:spMk id="66" creationId="{93DE45F8-527B-DF51-FB55-6545F8B21333}"/>
+          </ac:spMkLst>
+        </pc:spChg>
+        <pc:spChg chg="mod">
+          <ac:chgData name="Bo Tang" userId="332dbdf67b1791cd" providerId="LiveId" clId="{F8300C32-5263-4B74-B2E3-4EA29E77E1C0}" dt="2023-07-21T06:22:09.246" v="2" actId="20577"/>
+          <ac:spMkLst>
+            <pc:docMk/>
+            <pc:sldMk cId="3064724767" sldId="258"/>
+            <ac:spMk id="74" creationId="{1A2ED24A-A1AF-F590-2311-0E0382B6FA8C}"/>
+          </ac:spMkLst>
+        </pc:spChg>
+        <pc:spChg chg="mod">
+          <ac:chgData name="Bo Tang" userId="332dbdf67b1791cd" providerId="LiveId" clId="{F8300C32-5263-4B74-B2E3-4EA29E77E1C0}" dt="2023-07-21T06:22:09.246" v="2" actId="20577"/>
+          <ac:spMkLst>
+            <pc:docMk/>
+            <pc:sldMk cId="3064724767" sldId="258"/>
+            <ac:spMk id="76" creationId="{73CF5F21-BBA9-0F42-0A16-0D7CA6CAE4C1}"/>
+          </ac:spMkLst>
+        </pc:spChg>
+        <pc:spChg chg="mod">
+          <ac:chgData name="Bo Tang" userId="332dbdf67b1791cd" providerId="LiveId" clId="{F8300C32-5263-4B74-B2E3-4EA29E77E1C0}" dt="2023-07-21T06:22:09.246" v="2" actId="20577"/>
+          <ac:spMkLst>
+            <pc:docMk/>
+            <pc:sldMk cId="3064724767" sldId="258"/>
+            <ac:spMk id="78" creationId="{8C188721-183E-0CAB-F8EB-E642DA60848B}"/>
+          </ac:spMkLst>
+        </pc:spChg>
+        <pc:grpChg chg="mod">
+          <ac:chgData name="Bo Tang" userId="332dbdf67b1791cd" providerId="LiveId" clId="{F8300C32-5263-4B74-B2E3-4EA29E77E1C0}" dt="2023-07-21T06:22:09.246" v="2" actId="20577"/>
+          <ac:grpSpMkLst>
+            <pc:docMk/>
+            <pc:sldMk cId="3064724767" sldId="258"/>
+            <ac:grpSpMk id="88" creationId="{8DE8EAEB-59AB-6D0B-13B9-8AFA99139BA7}"/>
+          </ac:grpSpMkLst>
+        </pc:grpChg>
+        <pc:cxnChg chg="mod">
+          <ac:chgData name="Bo Tang" userId="332dbdf67b1791cd" providerId="LiveId" clId="{F8300C32-5263-4B74-B2E3-4EA29E77E1C0}" dt="2023-07-21T06:22:09.246" v="2" actId="20577"/>
+          <ac:cxnSpMkLst>
+            <pc:docMk/>
+            <pc:sldMk cId="3064724767" sldId="258"/>
+            <ac:cxnSpMk id="9" creationId="{15AF243E-092C-242D-C5C8-EC13353C1C6E}"/>
+          </ac:cxnSpMkLst>
+        </pc:cxnChg>
+        <pc:cxnChg chg="mod">
+          <ac:chgData name="Bo Tang" userId="332dbdf67b1791cd" providerId="LiveId" clId="{F8300C32-5263-4B74-B2E3-4EA29E77E1C0}" dt="2023-07-21T06:22:09.246" v="2" actId="20577"/>
+          <ac:cxnSpMkLst>
+            <pc:docMk/>
+            <pc:sldMk cId="3064724767" sldId="258"/>
+            <ac:cxnSpMk id="21" creationId="{0D4419EC-0F08-075D-339A-E95CD384122E}"/>
+          </ac:cxnSpMkLst>
+        </pc:cxnChg>
+        <pc:cxnChg chg="mod">
+          <ac:chgData name="Bo Tang" userId="332dbdf67b1791cd" providerId="LiveId" clId="{F8300C32-5263-4B74-B2E3-4EA29E77E1C0}" dt="2023-07-21T06:22:09.246" v="2" actId="20577"/>
+          <ac:cxnSpMkLst>
+            <pc:docMk/>
+            <pc:sldMk cId="3064724767" sldId="258"/>
+            <ac:cxnSpMk id="87" creationId="{A75DBF4F-F209-1A8C-303F-2CE9242E6B2F}"/>
+          </ac:cxnSpMkLst>
+        </pc:cxnChg>
+      </pc:sldChg>
+    </pc:docChg>
+  </pc:docChgLst>
   <pc:docChgLst>
     <pc:chgData name="Tang Bo" userId="332dbdf67b1791cd" providerId="LiveId" clId="{DF6068E5-50CD-406F-88E4-881CC82FB99B}"/>
     <pc:docChg chg="undo custSel addSld delSld modSld">
@@ -5064,7 +5337,7 @@
   <pc:docChgLst>
     <pc:chgData name="Bo Tang" userId="332dbdf67b1791cd" providerId="LiveId" clId="{F25E99E5-8171-44C4-9A87-28BE82CA5281}"/>
     <pc:docChg chg="undo redo custSel addSld modSld">
-      <pc:chgData name="Bo Tang" userId="332dbdf67b1791cd" providerId="LiveId" clId="{F25E99E5-8171-44C4-9A87-28BE82CA5281}" dt="2023-07-21T05:45:40.656" v="637" actId="164"/>
+      <pc:chgData name="Bo Tang" userId="332dbdf67b1791cd" providerId="LiveId" clId="{F25E99E5-8171-44C4-9A87-28BE82CA5281}" dt="2023-07-21T05:50:03.331" v="641" actId="6549"/>
       <pc:docMkLst>
         <pc:docMk/>
       </pc:docMkLst>
@@ -5612,7 +5885,7 @@
         </pc:cxnChg>
       </pc:sldChg>
       <pc:sldChg chg="addSp delSp modSp new mod">
-        <pc:chgData name="Bo Tang" userId="332dbdf67b1791cd" providerId="LiveId" clId="{F25E99E5-8171-44C4-9A87-28BE82CA5281}" dt="2023-07-21T05:45:40.656" v="637" actId="164"/>
+        <pc:chgData name="Bo Tang" userId="332dbdf67b1791cd" providerId="LiveId" clId="{F25E99E5-8171-44C4-9A87-28BE82CA5281}" dt="2023-07-21T05:50:03.331" v="641" actId="6549"/>
         <pc:sldMkLst>
           <pc:docMk/>
           <pc:sldMk cId="3947104652" sldId="259"/>
@@ -5634,7 +5907,7 @@
           </ac:spMkLst>
         </pc:spChg>
         <pc:spChg chg="mod">
-          <ac:chgData name="Bo Tang" userId="332dbdf67b1791cd" providerId="LiveId" clId="{F25E99E5-8171-44C4-9A87-28BE82CA5281}" dt="2023-07-21T05:44:42.548" v="623" actId="404"/>
+          <ac:chgData name="Bo Tang" userId="332dbdf67b1791cd" providerId="LiveId" clId="{F25E99E5-8171-44C4-9A87-28BE82CA5281}" dt="2023-07-21T05:50:02.937" v="640" actId="6549"/>
           <ac:spMkLst>
             <pc:docMk/>
             <pc:sldMk cId="3947104652" sldId="259"/>
@@ -5642,7 +5915,7 @@
           </ac:spMkLst>
         </pc:spChg>
         <pc:spChg chg="mod">
-          <ac:chgData name="Bo Tang" userId="332dbdf67b1791cd" providerId="LiveId" clId="{F25E99E5-8171-44C4-9A87-28BE82CA5281}" dt="2023-07-21T05:44:42.548" v="623" actId="404"/>
+          <ac:chgData name="Bo Tang" userId="332dbdf67b1791cd" providerId="LiveId" clId="{F25E99E5-8171-44C4-9A87-28BE82CA5281}" dt="2023-07-21T05:50:02.937" v="640" actId="6549"/>
           <ac:spMkLst>
             <pc:docMk/>
             <pc:sldMk cId="3947104652" sldId="259"/>
@@ -5650,7 +5923,7 @@
           </ac:spMkLst>
         </pc:spChg>
         <pc:spChg chg="mod">
-          <ac:chgData name="Bo Tang" userId="332dbdf67b1791cd" providerId="LiveId" clId="{F25E99E5-8171-44C4-9A87-28BE82CA5281}" dt="2023-07-21T05:44:48.501" v="624" actId="207"/>
+          <ac:chgData name="Bo Tang" userId="332dbdf67b1791cd" providerId="LiveId" clId="{F25E99E5-8171-44C4-9A87-28BE82CA5281}" dt="2023-07-21T05:50:02.937" v="640" actId="6549"/>
           <ac:spMkLst>
             <pc:docMk/>
             <pc:sldMk cId="3947104652" sldId="259"/>
@@ -5658,7 +5931,7 @@
           </ac:spMkLst>
         </pc:spChg>
         <pc:spChg chg="mod">
-          <ac:chgData name="Bo Tang" userId="332dbdf67b1791cd" providerId="LiveId" clId="{F25E99E5-8171-44C4-9A87-28BE82CA5281}" dt="2023-07-21T05:44:42.548" v="623" actId="404"/>
+          <ac:chgData name="Bo Tang" userId="332dbdf67b1791cd" providerId="LiveId" clId="{F25E99E5-8171-44C4-9A87-28BE82CA5281}" dt="2023-07-21T05:50:02.937" v="640" actId="6549"/>
           <ac:spMkLst>
             <pc:docMk/>
             <pc:sldMk cId="3947104652" sldId="259"/>
@@ -5666,7 +5939,7 @@
           </ac:spMkLst>
         </pc:spChg>
         <pc:spChg chg="mod">
-          <ac:chgData name="Bo Tang" userId="332dbdf67b1791cd" providerId="LiveId" clId="{F25E99E5-8171-44C4-9A87-28BE82CA5281}" dt="2023-07-21T05:44:42.548" v="623" actId="404"/>
+          <ac:chgData name="Bo Tang" userId="332dbdf67b1791cd" providerId="LiveId" clId="{F25E99E5-8171-44C4-9A87-28BE82CA5281}" dt="2023-07-21T05:50:03.331" v="641" actId="6549"/>
           <ac:spMkLst>
             <pc:docMk/>
             <pc:sldMk cId="3947104652" sldId="259"/>
@@ -5674,7 +5947,7 @@
           </ac:spMkLst>
         </pc:spChg>
         <pc:spChg chg="mod">
-          <ac:chgData name="Bo Tang" userId="332dbdf67b1791cd" providerId="LiveId" clId="{F25E99E5-8171-44C4-9A87-28BE82CA5281}" dt="2023-07-21T05:44:42.548" v="623" actId="404"/>
+          <ac:chgData name="Bo Tang" userId="332dbdf67b1791cd" providerId="LiveId" clId="{F25E99E5-8171-44C4-9A87-28BE82CA5281}" dt="2023-07-21T05:50:02.937" v="640" actId="6549"/>
           <ac:spMkLst>
             <pc:docMk/>
             <pc:sldMk cId="3947104652" sldId="259"/>
@@ -5682,7 +5955,7 @@
           </ac:spMkLst>
         </pc:spChg>
         <pc:spChg chg="mod">
-          <ac:chgData name="Bo Tang" userId="332dbdf67b1791cd" providerId="LiveId" clId="{F25E99E5-8171-44C4-9A87-28BE82CA5281}" dt="2023-07-21T05:44:42.548" v="623" actId="404"/>
+          <ac:chgData name="Bo Tang" userId="332dbdf67b1791cd" providerId="LiveId" clId="{F25E99E5-8171-44C4-9A87-28BE82CA5281}" dt="2023-07-21T05:50:02.937" v="640" actId="6549"/>
           <ac:spMkLst>
             <pc:docMk/>
             <pc:sldMk cId="3947104652" sldId="259"/>
@@ -5690,7 +5963,7 @@
           </ac:spMkLst>
         </pc:spChg>
         <pc:spChg chg="mod">
-          <ac:chgData name="Bo Tang" userId="332dbdf67b1791cd" providerId="LiveId" clId="{F25E99E5-8171-44C4-9A87-28BE82CA5281}" dt="2023-07-21T05:44:42.548" v="623" actId="404"/>
+          <ac:chgData name="Bo Tang" userId="332dbdf67b1791cd" providerId="LiveId" clId="{F25E99E5-8171-44C4-9A87-28BE82CA5281}" dt="2023-07-21T05:50:02.937" v="640" actId="6549"/>
           <ac:spMkLst>
             <pc:docMk/>
             <pc:sldMk cId="3947104652" sldId="259"/>
@@ -5698,7 +5971,7 @@
           </ac:spMkLst>
         </pc:spChg>
         <pc:spChg chg="mod">
-          <ac:chgData name="Bo Tang" userId="332dbdf67b1791cd" providerId="LiveId" clId="{F25E99E5-8171-44C4-9A87-28BE82CA5281}" dt="2023-07-21T05:44:42.548" v="623" actId="404"/>
+          <ac:chgData name="Bo Tang" userId="332dbdf67b1791cd" providerId="LiveId" clId="{F25E99E5-8171-44C4-9A87-28BE82CA5281}" dt="2023-07-21T05:50:02.937" v="640" actId="6549"/>
           <ac:spMkLst>
             <pc:docMk/>
             <pc:sldMk cId="3947104652" sldId="259"/>
@@ -5706,7 +5979,7 @@
           </ac:spMkLst>
         </pc:spChg>
         <pc:spChg chg="mod">
-          <ac:chgData name="Bo Tang" userId="332dbdf67b1791cd" providerId="LiveId" clId="{F25E99E5-8171-44C4-9A87-28BE82CA5281}" dt="2023-07-21T05:44:42.548" v="623" actId="404"/>
+          <ac:chgData name="Bo Tang" userId="332dbdf67b1791cd" providerId="LiveId" clId="{F25E99E5-8171-44C4-9A87-28BE82CA5281}" dt="2023-07-21T05:50:02.937" v="640" actId="6549"/>
           <ac:spMkLst>
             <pc:docMk/>
             <pc:sldMk cId="3947104652" sldId="259"/>
@@ -5714,7 +5987,7 @@
           </ac:spMkLst>
         </pc:spChg>
         <pc:spChg chg="mod">
-          <ac:chgData name="Bo Tang" userId="332dbdf67b1791cd" providerId="LiveId" clId="{F25E99E5-8171-44C4-9A87-28BE82CA5281}" dt="2023-07-21T05:44:42.548" v="623" actId="404"/>
+          <ac:chgData name="Bo Tang" userId="332dbdf67b1791cd" providerId="LiveId" clId="{F25E99E5-8171-44C4-9A87-28BE82CA5281}" dt="2023-07-21T05:50:02.937" v="640" actId="6549"/>
           <ac:spMkLst>
             <pc:docMk/>
             <pc:sldMk cId="3947104652" sldId="259"/>
@@ -5722,7 +5995,7 @@
           </ac:spMkLst>
         </pc:spChg>
         <pc:spChg chg="mod">
-          <ac:chgData name="Bo Tang" userId="332dbdf67b1791cd" providerId="LiveId" clId="{F25E99E5-8171-44C4-9A87-28BE82CA5281}" dt="2023-07-21T05:44:42.548" v="623" actId="404"/>
+          <ac:chgData name="Bo Tang" userId="332dbdf67b1791cd" providerId="LiveId" clId="{F25E99E5-8171-44C4-9A87-28BE82CA5281}" dt="2023-07-21T05:50:02.937" v="640" actId="6549"/>
           <ac:spMkLst>
             <pc:docMk/>
             <pc:sldMk cId="3947104652" sldId="259"/>
@@ -5730,7 +6003,7 @@
           </ac:spMkLst>
         </pc:spChg>
         <pc:spChg chg="mod">
-          <ac:chgData name="Bo Tang" userId="332dbdf67b1791cd" providerId="LiveId" clId="{F25E99E5-8171-44C4-9A87-28BE82CA5281}" dt="2023-07-21T05:44:42.548" v="623" actId="404"/>
+          <ac:chgData name="Bo Tang" userId="332dbdf67b1791cd" providerId="LiveId" clId="{F25E99E5-8171-44C4-9A87-28BE82CA5281}" dt="2023-07-21T05:50:02.937" v="640" actId="6549"/>
           <ac:spMkLst>
             <pc:docMk/>
             <pc:sldMk cId="3947104652" sldId="259"/>
@@ -5738,7 +6011,7 @@
           </ac:spMkLst>
         </pc:spChg>
         <pc:spChg chg="mod">
-          <ac:chgData name="Bo Tang" userId="332dbdf67b1791cd" providerId="LiveId" clId="{F25E99E5-8171-44C4-9A87-28BE82CA5281}" dt="2023-07-21T05:44:42.548" v="623" actId="404"/>
+          <ac:chgData name="Bo Tang" userId="332dbdf67b1791cd" providerId="LiveId" clId="{F25E99E5-8171-44C4-9A87-28BE82CA5281}" dt="2023-07-21T05:50:02.937" v="640" actId="6549"/>
           <ac:spMkLst>
             <pc:docMk/>
             <pc:sldMk cId="3947104652" sldId="259"/>
@@ -5746,7 +6019,7 @@
           </ac:spMkLst>
         </pc:spChg>
         <pc:spChg chg="mod">
-          <ac:chgData name="Bo Tang" userId="332dbdf67b1791cd" providerId="LiveId" clId="{F25E99E5-8171-44C4-9A87-28BE82CA5281}" dt="2023-07-21T05:44:42.548" v="623" actId="404"/>
+          <ac:chgData name="Bo Tang" userId="332dbdf67b1791cd" providerId="LiveId" clId="{F25E99E5-8171-44C4-9A87-28BE82CA5281}" dt="2023-07-21T05:50:02.937" v="640" actId="6549"/>
           <ac:spMkLst>
             <pc:docMk/>
             <pc:sldMk cId="3947104652" sldId="259"/>
@@ -5754,7 +6027,7 @@
           </ac:spMkLst>
         </pc:spChg>
         <pc:spChg chg="mod">
-          <ac:chgData name="Bo Tang" userId="332dbdf67b1791cd" providerId="LiveId" clId="{F25E99E5-8171-44C4-9A87-28BE82CA5281}" dt="2023-07-21T05:44:42.548" v="623" actId="404"/>
+          <ac:chgData name="Bo Tang" userId="332dbdf67b1791cd" providerId="LiveId" clId="{F25E99E5-8171-44C4-9A87-28BE82CA5281}" dt="2023-07-21T05:50:02.937" v="640" actId="6549"/>
           <ac:spMkLst>
             <pc:docMk/>
             <pc:sldMk cId="3947104652" sldId="259"/>
@@ -5762,7 +6035,7 @@
           </ac:spMkLst>
         </pc:spChg>
         <pc:spChg chg="mod">
-          <ac:chgData name="Bo Tang" userId="332dbdf67b1791cd" providerId="LiveId" clId="{F25E99E5-8171-44C4-9A87-28BE82CA5281}" dt="2023-07-21T05:44:42.548" v="623" actId="404"/>
+          <ac:chgData name="Bo Tang" userId="332dbdf67b1791cd" providerId="LiveId" clId="{F25E99E5-8171-44C4-9A87-28BE82CA5281}" dt="2023-07-21T05:50:02.937" v="640" actId="6549"/>
           <ac:spMkLst>
             <pc:docMk/>
             <pc:sldMk cId="3947104652" sldId="259"/>
@@ -5770,7 +6043,7 @@
           </ac:spMkLst>
         </pc:spChg>
         <pc:spChg chg="mod">
-          <ac:chgData name="Bo Tang" userId="332dbdf67b1791cd" providerId="LiveId" clId="{F25E99E5-8171-44C4-9A87-28BE82CA5281}" dt="2023-07-21T05:44:42.548" v="623" actId="404"/>
+          <ac:chgData name="Bo Tang" userId="332dbdf67b1791cd" providerId="LiveId" clId="{F25E99E5-8171-44C4-9A87-28BE82CA5281}" dt="2023-07-21T05:50:02.937" v="640" actId="6549"/>
           <ac:spMkLst>
             <pc:docMk/>
             <pc:sldMk cId="3947104652" sldId="259"/>
@@ -5778,7 +6051,7 @@
           </ac:spMkLst>
         </pc:spChg>
         <pc:spChg chg="mod">
-          <ac:chgData name="Bo Tang" userId="332dbdf67b1791cd" providerId="LiveId" clId="{F25E99E5-8171-44C4-9A87-28BE82CA5281}" dt="2023-07-21T05:44:42.548" v="623" actId="404"/>
+          <ac:chgData name="Bo Tang" userId="332dbdf67b1791cd" providerId="LiveId" clId="{F25E99E5-8171-44C4-9A87-28BE82CA5281}" dt="2023-07-21T05:50:02.937" v="640" actId="6549"/>
           <ac:spMkLst>
             <pc:docMk/>
             <pc:sldMk cId="3947104652" sldId="259"/>
@@ -5786,7 +6059,7 @@
           </ac:spMkLst>
         </pc:spChg>
         <pc:spChg chg="mod">
-          <ac:chgData name="Bo Tang" userId="332dbdf67b1791cd" providerId="LiveId" clId="{F25E99E5-8171-44C4-9A87-28BE82CA5281}" dt="2023-07-21T05:44:42.548" v="623" actId="404"/>
+          <ac:chgData name="Bo Tang" userId="332dbdf67b1791cd" providerId="LiveId" clId="{F25E99E5-8171-44C4-9A87-28BE82CA5281}" dt="2023-07-21T05:50:02.937" v="640" actId="6549"/>
           <ac:spMkLst>
             <pc:docMk/>
             <pc:sldMk cId="3947104652" sldId="259"/>
@@ -5794,7 +6067,7 @@
           </ac:spMkLst>
         </pc:spChg>
         <pc:spChg chg="mod">
-          <ac:chgData name="Bo Tang" userId="332dbdf67b1791cd" providerId="LiveId" clId="{F25E99E5-8171-44C4-9A87-28BE82CA5281}" dt="2023-07-21T05:44:42.548" v="623" actId="404"/>
+          <ac:chgData name="Bo Tang" userId="332dbdf67b1791cd" providerId="LiveId" clId="{F25E99E5-8171-44C4-9A87-28BE82CA5281}" dt="2023-07-21T05:50:02.937" v="640" actId="6549"/>
           <ac:spMkLst>
             <pc:docMk/>
             <pc:sldMk cId="3947104652" sldId="259"/>
@@ -5802,7 +6075,7 @@
           </ac:spMkLst>
         </pc:spChg>
         <pc:spChg chg="mod">
-          <ac:chgData name="Bo Tang" userId="332dbdf67b1791cd" providerId="LiveId" clId="{F25E99E5-8171-44C4-9A87-28BE82CA5281}" dt="2023-07-21T05:44:42.548" v="623" actId="404"/>
+          <ac:chgData name="Bo Tang" userId="332dbdf67b1791cd" providerId="LiveId" clId="{F25E99E5-8171-44C4-9A87-28BE82CA5281}" dt="2023-07-21T05:50:02.937" v="640" actId="6549"/>
           <ac:spMkLst>
             <pc:docMk/>
             <pc:sldMk cId="3947104652" sldId="259"/>
@@ -5810,7 +6083,7 @@
           </ac:spMkLst>
         </pc:spChg>
         <pc:spChg chg="mod">
-          <ac:chgData name="Bo Tang" userId="332dbdf67b1791cd" providerId="LiveId" clId="{F25E99E5-8171-44C4-9A87-28BE82CA5281}" dt="2023-07-21T05:44:42.548" v="623" actId="404"/>
+          <ac:chgData name="Bo Tang" userId="332dbdf67b1791cd" providerId="LiveId" clId="{F25E99E5-8171-44C4-9A87-28BE82CA5281}" dt="2023-07-21T05:50:02.937" v="640" actId="6549"/>
           <ac:spMkLst>
             <pc:docMk/>
             <pc:sldMk cId="3947104652" sldId="259"/>
@@ -5818,7 +6091,7 @@
           </ac:spMkLst>
         </pc:spChg>
         <pc:spChg chg="mod">
-          <ac:chgData name="Bo Tang" userId="332dbdf67b1791cd" providerId="LiveId" clId="{F25E99E5-8171-44C4-9A87-28BE82CA5281}" dt="2023-07-21T05:44:42.548" v="623" actId="404"/>
+          <ac:chgData name="Bo Tang" userId="332dbdf67b1791cd" providerId="LiveId" clId="{F25E99E5-8171-44C4-9A87-28BE82CA5281}" dt="2023-07-21T05:50:02.937" v="640" actId="6549"/>
           <ac:spMkLst>
             <pc:docMk/>
             <pc:sldMk cId="3947104652" sldId="259"/>
@@ -5826,7 +6099,7 @@
           </ac:spMkLst>
         </pc:spChg>
         <pc:spChg chg="mod">
-          <ac:chgData name="Bo Tang" userId="332dbdf67b1791cd" providerId="LiveId" clId="{F25E99E5-8171-44C4-9A87-28BE82CA5281}" dt="2023-07-21T05:44:42.548" v="623" actId="404"/>
+          <ac:chgData name="Bo Tang" userId="332dbdf67b1791cd" providerId="LiveId" clId="{F25E99E5-8171-44C4-9A87-28BE82CA5281}" dt="2023-07-21T05:50:02.937" v="640" actId="6549"/>
           <ac:spMkLst>
             <pc:docMk/>
             <pc:sldMk cId="3947104652" sldId="259"/>
@@ -5834,7 +6107,7 @@
           </ac:spMkLst>
         </pc:spChg>
         <pc:spChg chg="add mod ord">
-          <ac:chgData name="Bo Tang" userId="332dbdf67b1791cd" providerId="LiveId" clId="{F25E99E5-8171-44C4-9A87-28BE82CA5281}" dt="2023-07-21T05:45:40.656" v="637" actId="164"/>
+          <ac:chgData name="Bo Tang" userId="332dbdf67b1791cd" providerId="LiveId" clId="{F25E99E5-8171-44C4-9A87-28BE82CA5281}" dt="2023-07-21T05:50:02.937" v="640" actId="6549"/>
           <ac:spMkLst>
             <pc:docMk/>
             <pc:sldMk cId="3947104652" sldId="259"/>
@@ -5842,7 +6115,7 @@
           </ac:spMkLst>
         </pc:spChg>
         <pc:grpChg chg="add mod">
-          <ac:chgData name="Bo Tang" userId="332dbdf67b1791cd" providerId="LiveId" clId="{F25E99E5-8171-44C4-9A87-28BE82CA5281}" dt="2023-07-21T05:45:40.656" v="637" actId="164"/>
+          <ac:chgData name="Bo Tang" userId="332dbdf67b1791cd" providerId="LiveId" clId="{F25E99E5-8171-44C4-9A87-28BE82CA5281}" dt="2023-07-21T05:50:02.937" v="640" actId="6549"/>
           <ac:grpSpMkLst>
             <pc:docMk/>
             <pc:sldMk cId="3947104652" sldId="259"/>
@@ -5850,7 +6123,7 @@
           </ac:grpSpMkLst>
         </pc:grpChg>
         <pc:grpChg chg="mod">
-          <ac:chgData name="Bo Tang" userId="332dbdf67b1791cd" providerId="LiveId" clId="{F25E99E5-8171-44C4-9A87-28BE82CA5281}" dt="2023-07-21T05:44:42.548" v="623" actId="404"/>
+          <ac:chgData name="Bo Tang" userId="332dbdf67b1791cd" providerId="LiveId" clId="{F25E99E5-8171-44C4-9A87-28BE82CA5281}" dt="2023-07-21T05:50:02.937" v="640" actId="6549"/>
           <ac:grpSpMkLst>
             <pc:docMk/>
             <pc:sldMk cId="3947104652" sldId="259"/>
@@ -5858,7 +6131,7 @@
           </ac:grpSpMkLst>
         </pc:grpChg>
         <pc:grpChg chg="mod">
-          <ac:chgData name="Bo Tang" userId="332dbdf67b1791cd" providerId="LiveId" clId="{F25E99E5-8171-44C4-9A87-28BE82CA5281}" dt="2023-07-21T05:44:42.548" v="623" actId="404"/>
+          <ac:chgData name="Bo Tang" userId="332dbdf67b1791cd" providerId="LiveId" clId="{F25E99E5-8171-44C4-9A87-28BE82CA5281}" dt="2023-07-21T05:50:02.937" v="640" actId="6549"/>
           <ac:grpSpMkLst>
             <pc:docMk/>
             <pc:sldMk cId="3947104652" sldId="259"/>
@@ -5866,7 +6139,7 @@
           </ac:grpSpMkLst>
         </pc:grpChg>
         <pc:grpChg chg="mod">
-          <ac:chgData name="Bo Tang" userId="332dbdf67b1791cd" providerId="LiveId" clId="{F25E99E5-8171-44C4-9A87-28BE82CA5281}" dt="2023-07-21T05:44:42.548" v="623" actId="404"/>
+          <ac:chgData name="Bo Tang" userId="332dbdf67b1791cd" providerId="LiveId" clId="{F25E99E5-8171-44C4-9A87-28BE82CA5281}" dt="2023-07-21T05:50:02.937" v="640" actId="6549"/>
           <ac:grpSpMkLst>
             <pc:docMk/>
             <pc:sldMk cId="3947104652" sldId="259"/>
@@ -5874,7 +6147,7 @@
           </ac:grpSpMkLst>
         </pc:grpChg>
         <pc:grpChg chg="mod">
-          <ac:chgData name="Bo Tang" userId="332dbdf67b1791cd" providerId="LiveId" clId="{F25E99E5-8171-44C4-9A87-28BE82CA5281}" dt="2023-07-21T05:44:42.548" v="623" actId="404"/>
+          <ac:chgData name="Bo Tang" userId="332dbdf67b1791cd" providerId="LiveId" clId="{F25E99E5-8171-44C4-9A87-28BE82CA5281}" dt="2023-07-21T05:50:02.937" v="640" actId="6549"/>
           <ac:grpSpMkLst>
             <pc:docMk/>
             <pc:sldMk cId="3947104652" sldId="259"/>
@@ -5882,7 +6155,7 @@
           </ac:grpSpMkLst>
         </pc:grpChg>
         <pc:grpChg chg="mod">
-          <ac:chgData name="Bo Tang" userId="332dbdf67b1791cd" providerId="LiveId" clId="{F25E99E5-8171-44C4-9A87-28BE82CA5281}" dt="2023-07-21T05:44:42.548" v="623" actId="404"/>
+          <ac:chgData name="Bo Tang" userId="332dbdf67b1791cd" providerId="LiveId" clId="{F25E99E5-8171-44C4-9A87-28BE82CA5281}" dt="2023-07-21T05:50:02.937" v="640" actId="6549"/>
           <ac:grpSpMkLst>
             <pc:docMk/>
             <pc:sldMk cId="3947104652" sldId="259"/>
@@ -5890,7 +6163,7 @@
           </ac:grpSpMkLst>
         </pc:grpChg>
         <pc:grpChg chg="mod">
-          <ac:chgData name="Bo Tang" userId="332dbdf67b1791cd" providerId="LiveId" clId="{F25E99E5-8171-44C4-9A87-28BE82CA5281}" dt="2023-07-21T05:44:42.548" v="623" actId="404"/>
+          <ac:chgData name="Bo Tang" userId="332dbdf67b1791cd" providerId="LiveId" clId="{F25E99E5-8171-44C4-9A87-28BE82CA5281}" dt="2023-07-21T05:50:02.937" v="640" actId="6549"/>
           <ac:grpSpMkLst>
             <pc:docMk/>
             <pc:sldMk cId="3947104652" sldId="259"/>
@@ -5898,7 +6171,7 @@
           </ac:grpSpMkLst>
         </pc:grpChg>
         <pc:grpChg chg="mod">
-          <ac:chgData name="Bo Tang" userId="332dbdf67b1791cd" providerId="LiveId" clId="{F25E99E5-8171-44C4-9A87-28BE82CA5281}" dt="2023-07-21T05:44:42.548" v="623" actId="404"/>
+          <ac:chgData name="Bo Tang" userId="332dbdf67b1791cd" providerId="LiveId" clId="{F25E99E5-8171-44C4-9A87-28BE82CA5281}" dt="2023-07-21T05:50:02.937" v="640" actId="6549"/>
           <ac:grpSpMkLst>
             <pc:docMk/>
             <pc:sldMk cId="3947104652" sldId="259"/>
@@ -5906,7 +6179,7 @@
           </ac:grpSpMkLst>
         </pc:grpChg>
         <pc:grpChg chg="mod">
-          <ac:chgData name="Bo Tang" userId="332dbdf67b1791cd" providerId="LiveId" clId="{F25E99E5-8171-44C4-9A87-28BE82CA5281}" dt="2023-07-21T05:44:42.548" v="623" actId="404"/>
+          <ac:chgData name="Bo Tang" userId="332dbdf67b1791cd" providerId="LiveId" clId="{F25E99E5-8171-44C4-9A87-28BE82CA5281}" dt="2023-07-21T05:50:02.937" v="640" actId="6549"/>
           <ac:grpSpMkLst>
             <pc:docMk/>
             <pc:sldMk cId="3947104652" sldId="259"/>
@@ -5914,7 +6187,7 @@
           </ac:grpSpMkLst>
         </pc:grpChg>
         <pc:grpChg chg="add mod">
-          <ac:chgData name="Bo Tang" userId="332dbdf67b1791cd" providerId="LiveId" clId="{F25E99E5-8171-44C4-9A87-28BE82CA5281}" dt="2023-07-21T05:45:40.656" v="637" actId="164"/>
+          <ac:chgData name="Bo Tang" userId="332dbdf67b1791cd" providerId="LiveId" clId="{F25E99E5-8171-44C4-9A87-28BE82CA5281}" dt="2023-07-21T05:50:02.937" v="640" actId="6549"/>
           <ac:grpSpMkLst>
             <pc:docMk/>
             <pc:sldMk cId="3947104652" sldId="259"/>
@@ -5922,7 +6195,7 @@
           </ac:grpSpMkLst>
         </pc:grpChg>
         <pc:cxnChg chg="mod">
-          <ac:chgData name="Bo Tang" userId="332dbdf67b1791cd" providerId="LiveId" clId="{F25E99E5-8171-44C4-9A87-28BE82CA5281}" dt="2023-07-21T05:44:42.548" v="623" actId="404"/>
+          <ac:chgData name="Bo Tang" userId="332dbdf67b1791cd" providerId="LiveId" clId="{F25E99E5-8171-44C4-9A87-28BE82CA5281}" dt="2023-07-21T05:50:02.937" v="640" actId="6549"/>
           <ac:cxnSpMkLst>
             <pc:docMk/>
             <pc:sldMk cId="3947104652" sldId="259"/>
@@ -5930,7 +6203,7 @@
           </ac:cxnSpMkLst>
         </pc:cxnChg>
         <pc:cxnChg chg="mod">
-          <ac:chgData name="Bo Tang" userId="332dbdf67b1791cd" providerId="LiveId" clId="{F25E99E5-8171-44C4-9A87-28BE82CA5281}" dt="2023-07-21T05:44:42.548" v="623" actId="404"/>
+          <ac:chgData name="Bo Tang" userId="332dbdf67b1791cd" providerId="LiveId" clId="{F25E99E5-8171-44C4-9A87-28BE82CA5281}" dt="2023-07-21T05:50:02.937" v="640" actId="6549"/>
           <ac:cxnSpMkLst>
             <pc:docMk/>
             <pc:sldMk cId="3947104652" sldId="259"/>
@@ -5938,7 +6211,7 @@
           </ac:cxnSpMkLst>
         </pc:cxnChg>
         <pc:cxnChg chg="mod">
-          <ac:chgData name="Bo Tang" userId="332dbdf67b1791cd" providerId="LiveId" clId="{F25E99E5-8171-44C4-9A87-28BE82CA5281}" dt="2023-07-21T05:44:42.548" v="623" actId="404"/>
+          <ac:chgData name="Bo Tang" userId="332dbdf67b1791cd" providerId="LiveId" clId="{F25E99E5-8171-44C4-9A87-28BE82CA5281}" dt="2023-07-21T05:50:02.937" v="640" actId="6549"/>
           <ac:cxnSpMkLst>
             <pc:docMk/>
             <pc:sldMk cId="3947104652" sldId="259"/>
@@ -5946,7 +6219,7 @@
           </ac:cxnSpMkLst>
         </pc:cxnChg>
         <pc:cxnChg chg="mod">
-          <ac:chgData name="Bo Tang" userId="332dbdf67b1791cd" providerId="LiveId" clId="{F25E99E5-8171-44C4-9A87-28BE82CA5281}" dt="2023-07-21T05:44:42.548" v="623" actId="404"/>
+          <ac:chgData name="Bo Tang" userId="332dbdf67b1791cd" providerId="LiveId" clId="{F25E99E5-8171-44C4-9A87-28BE82CA5281}" dt="2023-07-21T05:50:02.937" v="640" actId="6549"/>
           <ac:cxnSpMkLst>
             <pc:docMk/>
             <pc:sldMk cId="3947104652" sldId="259"/>
@@ -5954,7 +6227,7 @@
           </ac:cxnSpMkLst>
         </pc:cxnChg>
         <pc:cxnChg chg="mod">
-          <ac:chgData name="Bo Tang" userId="332dbdf67b1791cd" providerId="LiveId" clId="{F25E99E5-8171-44C4-9A87-28BE82CA5281}" dt="2023-07-21T05:44:42.548" v="623" actId="404"/>
+          <ac:chgData name="Bo Tang" userId="332dbdf67b1791cd" providerId="LiveId" clId="{F25E99E5-8171-44C4-9A87-28BE82CA5281}" dt="2023-07-21T05:50:02.937" v="640" actId="6549"/>
           <ac:cxnSpMkLst>
             <pc:docMk/>
             <pc:sldMk cId="3947104652" sldId="259"/>
@@ -5962,7 +6235,7 @@
           </ac:cxnSpMkLst>
         </pc:cxnChg>
         <pc:cxnChg chg="mod">
-          <ac:chgData name="Bo Tang" userId="332dbdf67b1791cd" providerId="LiveId" clId="{F25E99E5-8171-44C4-9A87-28BE82CA5281}" dt="2023-07-21T05:44:42.548" v="623" actId="404"/>
+          <ac:chgData name="Bo Tang" userId="332dbdf67b1791cd" providerId="LiveId" clId="{F25E99E5-8171-44C4-9A87-28BE82CA5281}" dt="2023-07-21T05:50:02.937" v="640" actId="6549"/>
           <ac:cxnSpMkLst>
             <pc:docMk/>
             <pc:sldMk cId="3947104652" sldId="259"/>
@@ -5970,7 +6243,7 @@
           </ac:cxnSpMkLst>
         </pc:cxnChg>
         <pc:cxnChg chg="mod">
-          <ac:chgData name="Bo Tang" userId="332dbdf67b1791cd" providerId="LiveId" clId="{F25E99E5-8171-44C4-9A87-28BE82CA5281}" dt="2023-07-21T05:44:42.548" v="623" actId="404"/>
+          <ac:chgData name="Bo Tang" userId="332dbdf67b1791cd" providerId="LiveId" clId="{F25E99E5-8171-44C4-9A87-28BE82CA5281}" dt="2023-07-21T05:50:02.937" v="640" actId="6549"/>
           <ac:cxnSpMkLst>
             <pc:docMk/>
             <pc:sldMk cId="3947104652" sldId="259"/>
@@ -5978,7 +6251,7 @@
           </ac:cxnSpMkLst>
         </pc:cxnChg>
         <pc:cxnChg chg="mod">
-          <ac:chgData name="Bo Tang" userId="332dbdf67b1791cd" providerId="LiveId" clId="{F25E99E5-8171-44C4-9A87-28BE82CA5281}" dt="2023-07-21T05:44:42.548" v="623" actId="404"/>
+          <ac:chgData name="Bo Tang" userId="332dbdf67b1791cd" providerId="LiveId" clId="{F25E99E5-8171-44C4-9A87-28BE82CA5281}" dt="2023-07-21T05:50:02.937" v="640" actId="6549"/>
           <ac:cxnSpMkLst>
             <pc:docMk/>
             <pc:sldMk cId="3947104652" sldId="259"/>
@@ -5986,7 +6259,7 @@
           </ac:cxnSpMkLst>
         </pc:cxnChg>
         <pc:cxnChg chg="mod">
-          <ac:chgData name="Bo Tang" userId="332dbdf67b1791cd" providerId="LiveId" clId="{F25E99E5-8171-44C4-9A87-28BE82CA5281}" dt="2023-07-21T05:44:42.548" v="623" actId="404"/>
+          <ac:chgData name="Bo Tang" userId="332dbdf67b1791cd" providerId="LiveId" clId="{F25E99E5-8171-44C4-9A87-28BE82CA5281}" dt="2023-07-21T05:50:02.937" v="640" actId="6549"/>
           <ac:cxnSpMkLst>
             <pc:docMk/>
             <pc:sldMk cId="3947104652" sldId="259"/>
@@ -5994,7 +6267,7 @@
           </ac:cxnSpMkLst>
         </pc:cxnChg>
         <pc:cxnChg chg="mod">
-          <ac:chgData name="Bo Tang" userId="332dbdf67b1791cd" providerId="LiveId" clId="{F25E99E5-8171-44C4-9A87-28BE82CA5281}" dt="2023-07-21T05:44:42.548" v="623" actId="404"/>
+          <ac:chgData name="Bo Tang" userId="332dbdf67b1791cd" providerId="LiveId" clId="{F25E99E5-8171-44C4-9A87-28BE82CA5281}" dt="2023-07-21T05:50:02.937" v="640" actId="6549"/>
           <ac:cxnSpMkLst>
             <pc:docMk/>
             <pc:sldMk cId="3947104652" sldId="259"/>
@@ -6002,7 +6275,7 @@
           </ac:cxnSpMkLst>
         </pc:cxnChg>
         <pc:cxnChg chg="mod">
-          <ac:chgData name="Bo Tang" userId="332dbdf67b1791cd" providerId="LiveId" clId="{F25E99E5-8171-44C4-9A87-28BE82CA5281}" dt="2023-07-21T05:44:42.548" v="623" actId="404"/>
+          <ac:chgData name="Bo Tang" userId="332dbdf67b1791cd" providerId="LiveId" clId="{F25E99E5-8171-44C4-9A87-28BE82CA5281}" dt="2023-07-21T05:50:02.937" v="640" actId="6549"/>
           <ac:cxnSpMkLst>
             <pc:docMk/>
             <pc:sldMk cId="3947104652" sldId="259"/>
@@ -6010,7 +6283,7 @@
           </ac:cxnSpMkLst>
         </pc:cxnChg>
         <pc:cxnChg chg="mod">
-          <ac:chgData name="Bo Tang" userId="332dbdf67b1791cd" providerId="LiveId" clId="{F25E99E5-8171-44C4-9A87-28BE82CA5281}" dt="2023-07-21T05:44:42.548" v="623" actId="404"/>
+          <ac:chgData name="Bo Tang" userId="332dbdf67b1791cd" providerId="LiveId" clId="{F25E99E5-8171-44C4-9A87-28BE82CA5281}" dt="2023-07-21T05:50:02.937" v="640" actId="6549"/>
           <ac:cxnSpMkLst>
             <pc:docMk/>
             <pc:sldMk cId="3947104652" sldId="259"/>
@@ -6018,7 +6291,7 @@
           </ac:cxnSpMkLst>
         </pc:cxnChg>
         <pc:cxnChg chg="mod">
-          <ac:chgData name="Bo Tang" userId="332dbdf67b1791cd" providerId="LiveId" clId="{F25E99E5-8171-44C4-9A87-28BE82CA5281}" dt="2023-07-21T05:44:42.548" v="623" actId="404"/>
+          <ac:chgData name="Bo Tang" userId="332dbdf67b1791cd" providerId="LiveId" clId="{F25E99E5-8171-44C4-9A87-28BE82CA5281}" dt="2023-07-21T05:50:02.937" v="640" actId="6549"/>
           <ac:cxnSpMkLst>
             <pc:docMk/>
             <pc:sldMk cId="3947104652" sldId="259"/>
@@ -6026,7 +6299,7 @@
           </ac:cxnSpMkLst>
         </pc:cxnChg>
         <pc:cxnChg chg="mod">
-          <ac:chgData name="Bo Tang" userId="332dbdf67b1791cd" providerId="LiveId" clId="{F25E99E5-8171-44C4-9A87-28BE82CA5281}" dt="2023-07-21T05:44:42.548" v="623" actId="404"/>
+          <ac:chgData name="Bo Tang" userId="332dbdf67b1791cd" providerId="LiveId" clId="{F25E99E5-8171-44C4-9A87-28BE82CA5281}" dt="2023-07-21T05:50:02.937" v="640" actId="6549"/>
           <ac:cxnSpMkLst>
             <pc:docMk/>
             <pc:sldMk cId="3947104652" sldId="259"/>
@@ -6034,7 +6307,7 @@
           </ac:cxnSpMkLst>
         </pc:cxnChg>
         <pc:cxnChg chg="mod">
-          <ac:chgData name="Bo Tang" userId="332dbdf67b1791cd" providerId="LiveId" clId="{F25E99E5-8171-44C4-9A87-28BE82CA5281}" dt="2023-07-21T05:44:42.548" v="623" actId="404"/>
+          <ac:chgData name="Bo Tang" userId="332dbdf67b1791cd" providerId="LiveId" clId="{F25E99E5-8171-44C4-9A87-28BE82CA5281}" dt="2023-07-21T05:50:02.937" v="640" actId="6549"/>
           <ac:cxnSpMkLst>
             <pc:docMk/>
             <pc:sldMk cId="3947104652" sldId="259"/>
@@ -6042,7 +6315,7 @@
           </ac:cxnSpMkLst>
         </pc:cxnChg>
         <pc:cxnChg chg="mod">
-          <ac:chgData name="Bo Tang" userId="332dbdf67b1791cd" providerId="LiveId" clId="{F25E99E5-8171-44C4-9A87-28BE82CA5281}" dt="2023-07-21T05:44:42.548" v="623" actId="404"/>
+          <ac:chgData name="Bo Tang" userId="332dbdf67b1791cd" providerId="LiveId" clId="{F25E99E5-8171-44C4-9A87-28BE82CA5281}" dt="2023-07-21T05:50:02.937" v="640" actId="6549"/>
           <ac:cxnSpMkLst>
             <pc:docMk/>
             <pc:sldMk cId="3947104652" sldId="259"/>
@@ -6050,7 +6323,7 @@
           </ac:cxnSpMkLst>
         </pc:cxnChg>
         <pc:cxnChg chg="mod">
-          <ac:chgData name="Bo Tang" userId="332dbdf67b1791cd" providerId="LiveId" clId="{F25E99E5-8171-44C4-9A87-28BE82CA5281}" dt="2023-07-21T05:44:42.548" v="623" actId="404"/>
+          <ac:chgData name="Bo Tang" userId="332dbdf67b1791cd" providerId="LiveId" clId="{F25E99E5-8171-44C4-9A87-28BE82CA5281}" dt="2023-07-21T05:50:02.937" v="640" actId="6549"/>
           <ac:cxnSpMkLst>
             <pc:docMk/>
             <pc:sldMk cId="3947104652" sldId="259"/>
@@ -6058,7 +6331,7 @@
           </ac:cxnSpMkLst>
         </pc:cxnChg>
         <pc:cxnChg chg="mod">
-          <ac:chgData name="Bo Tang" userId="332dbdf67b1791cd" providerId="LiveId" clId="{F25E99E5-8171-44C4-9A87-28BE82CA5281}" dt="2023-07-21T05:44:42.548" v="623" actId="404"/>
+          <ac:chgData name="Bo Tang" userId="332dbdf67b1791cd" providerId="LiveId" clId="{F25E99E5-8171-44C4-9A87-28BE82CA5281}" dt="2023-07-21T05:50:02.937" v="640" actId="6549"/>
           <ac:cxnSpMkLst>
             <pc:docMk/>
             <pc:sldMk cId="3947104652" sldId="259"/>
@@ -6066,7 +6339,7 @@
           </ac:cxnSpMkLst>
         </pc:cxnChg>
         <pc:cxnChg chg="mod">
-          <ac:chgData name="Bo Tang" userId="332dbdf67b1791cd" providerId="LiveId" clId="{F25E99E5-8171-44C4-9A87-28BE82CA5281}" dt="2023-07-21T05:44:42.548" v="623" actId="404"/>
+          <ac:chgData name="Bo Tang" userId="332dbdf67b1791cd" providerId="LiveId" clId="{F25E99E5-8171-44C4-9A87-28BE82CA5281}" dt="2023-07-21T05:50:02.937" v="640" actId="6549"/>
           <ac:cxnSpMkLst>
             <pc:docMk/>
             <pc:sldMk cId="3947104652" sldId="259"/>
@@ -6074,7 +6347,7 @@
           </ac:cxnSpMkLst>
         </pc:cxnChg>
         <pc:cxnChg chg="mod">
-          <ac:chgData name="Bo Tang" userId="332dbdf67b1791cd" providerId="LiveId" clId="{F25E99E5-8171-44C4-9A87-28BE82CA5281}" dt="2023-07-21T05:44:42.548" v="623" actId="404"/>
+          <ac:chgData name="Bo Tang" userId="332dbdf67b1791cd" providerId="LiveId" clId="{F25E99E5-8171-44C4-9A87-28BE82CA5281}" dt="2023-07-21T05:50:02.937" v="640" actId="6549"/>
           <ac:cxnSpMkLst>
             <pc:docMk/>
             <pc:sldMk cId="3947104652" sldId="259"/>
@@ -6234,7 +6507,7 @@
           <a:p>
             <a:fld id="{B1B9AF34-9AC4-45FB-A759-451273123E49}" type="datetimeFigureOut">
               <a:rPr lang="en-US" smtClean="0"/>
-              <a:t>7/20/2023</a:t>
+              <a:t>7/21/2023</a:t>
             </a:fld>
             <a:endParaRPr lang="en-US"/>
           </a:p>
@@ -6432,7 +6705,7 @@
           <a:p>
             <a:fld id="{B1B9AF34-9AC4-45FB-A759-451273123E49}" type="datetimeFigureOut">
               <a:rPr lang="en-US" smtClean="0"/>
-              <a:t>7/20/2023</a:t>
+              <a:t>7/21/2023</a:t>
             </a:fld>
             <a:endParaRPr lang="en-US"/>
           </a:p>
@@ -6640,7 +6913,7 @@
           <a:p>
             <a:fld id="{B1B9AF34-9AC4-45FB-A759-451273123E49}" type="datetimeFigureOut">
               <a:rPr lang="en-US" smtClean="0"/>
-              <a:t>7/20/2023</a:t>
+              <a:t>7/21/2023</a:t>
             </a:fld>
             <a:endParaRPr lang="en-US"/>
           </a:p>
@@ -6838,7 +7111,7 @@
           <a:p>
             <a:fld id="{B1B9AF34-9AC4-45FB-A759-451273123E49}" type="datetimeFigureOut">
               <a:rPr lang="en-US" smtClean="0"/>
-              <a:t>7/20/2023</a:t>
+              <a:t>7/21/2023</a:t>
             </a:fld>
             <a:endParaRPr lang="en-US"/>
           </a:p>
@@ -7113,7 +7386,7 @@
           <a:p>
             <a:fld id="{B1B9AF34-9AC4-45FB-A759-451273123E49}" type="datetimeFigureOut">
               <a:rPr lang="en-US" smtClean="0"/>
-              <a:t>7/20/2023</a:t>
+              <a:t>7/21/2023</a:t>
             </a:fld>
             <a:endParaRPr lang="en-US"/>
           </a:p>
@@ -7378,7 +7651,7 @@
           <a:p>
             <a:fld id="{B1B9AF34-9AC4-45FB-A759-451273123E49}" type="datetimeFigureOut">
               <a:rPr lang="en-US" smtClean="0"/>
-              <a:t>7/20/2023</a:t>
+              <a:t>7/21/2023</a:t>
             </a:fld>
             <a:endParaRPr lang="en-US"/>
           </a:p>
@@ -7790,7 +8063,7 @@
           <a:p>
             <a:fld id="{B1B9AF34-9AC4-45FB-A759-451273123E49}" type="datetimeFigureOut">
               <a:rPr lang="en-US" smtClean="0"/>
-              <a:t>7/20/2023</a:t>
+              <a:t>7/21/2023</a:t>
             </a:fld>
             <a:endParaRPr lang="en-US"/>
           </a:p>
@@ -7931,7 +8204,7 @@
           <a:p>
             <a:fld id="{B1B9AF34-9AC4-45FB-A759-451273123E49}" type="datetimeFigureOut">
               <a:rPr lang="en-US" smtClean="0"/>
-              <a:t>7/20/2023</a:t>
+              <a:t>7/21/2023</a:t>
             </a:fld>
             <a:endParaRPr lang="en-US"/>
           </a:p>
@@ -8044,7 +8317,7 @@
           <a:p>
             <a:fld id="{B1B9AF34-9AC4-45FB-A759-451273123E49}" type="datetimeFigureOut">
               <a:rPr lang="en-US" smtClean="0"/>
-              <a:t>7/20/2023</a:t>
+              <a:t>7/21/2023</a:t>
             </a:fld>
             <a:endParaRPr lang="en-US"/>
           </a:p>
@@ -8355,7 +8628,7 @@
           <a:p>
             <a:fld id="{B1B9AF34-9AC4-45FB-A759-451273123E49}" type="datetimeFigureOut">
               <a:rPr lang="en-US" smtClean="0"/>
-              <a:t>7/20/2023</a:t>
+              <a:t>7/21/2023</a:t>
             </a:fld>
             <a:endParaRPr lang="en-US"/>
           </a:p>
@@ -8643,7 +8916,7 @@
           <a:p>
             <a:fld id="{B1B9AF34-9AC4-45FB-A759-451273123E49}" type="datetimeFigureOut">
               <a:rPr lang="en-US" smtClean="0"/>
-              <a:t>7/20/2023</a:t>
+              <a:t>7/21/2023</a:t>
             </a:fld>
             <a:endParaRPr lang="en-US"/>
           </a:p>
@@ -8884,7 +9157,7 @@
           <a:p>
             <a:fld id="{B1B9AF34-9AC4-45FB-A759-451273123E49}" type="datetimeFigureOut">
               <a:rPr lang="en-US" smtClean="0"/>
-              <a:t>7/20/2023</a:t>
+              <a:t>7/21/2023</a:t>
             </a:fld>
             <a:endParaRPr lang="en-US"/>
           </a:p>
@@ -12190,8 +12463,8 @@
             </a:p>
           </p:txBody>
         </p:sp>
-        <mc:AlternateContent xmlns:mc="http://schemas.openxmlformats.org/markup-compatibility/2006" xmlns:a14="http://schemas.microsoft.com/office/drawing/2010/main">
-          <mc:Choice Requires="a14">
+        <mc:AlternateContent xmlns:mc="http://schemas.openxmlformats.org/markup-compatibility/2006">
+          <mc:Choice xmlns:a14="http://schemas.microsoft.com/office/drawing/2010/main" Requires="a14">
             <p:sp>
               <p:nvSpPr>
                 <p:cNvPr id="19" name="TextBox 18">
@@ -12258,7 +12531,7 @@
                             </a:solidFill>
                             <a:latin typeface="Cambria Math" panose="02040503050406030204" pitchFamily="18" charset="0"/>
                           </a:rPr>
-                          <m:t>ധ</m:t>
+                          <m:t>𝑾</m:t>
                         </m:r>
                       </m:oMath>
                     </m:oMathPara>
@@ -12274,7 +12547,7 @@
               </p:txBody>
             </p:sp>
           </mc:Choice>
-          <mc:Fallback xmlns="">
+          <mc:Fallback>
             <p:sp>
               <p:nvSpPr>
                 <p:cNvPr id="19" name="TextBox 18">
@@ -12300,7 +12573,7 @@
                 <a:blipFill>
                   <a:blip r:embed="rId2"/>
                   <a:stretch>
-                    <a:fillRect l="-4098" r="-8197" b="-8889"/>
+                    <a:fillRect l="-4098" r="-6557" b="-6667"/>
                   </a:stretch>
                 </a:blipFill>
               </p:spPr>
@@ -13473,8 +13746,8 @@
             </a:p>
           </p:txBody>
         </p:sp>
-        <mc:AlternateContent xmlns:mc="http://schemas.openxmlformats.org/markup-compatibility/2006" xmlns:a14="http://schemas.microsoft.com/office/drawing/2010/main">
-          <mc:Choice Requires="a14">
+        <mc:AlternateContent xmlns:mc="http://schemas.openxmlformats.org/markup-compatibility/2006">
+          <mc:Choice xmlns:a14="http://schemas.microsoft.com/office/drawing/2010/main" Requires="a14">
             <p:sp>
               <p:nvSpPr>
                 <p:cNvPr id="53" name="TextBox 52">
@@ -13490,7 +13763,7 @@
               <p:spPr>
                 <a:xfrm>
                   <a:off x="3041910" y="3217115"/>
-                  <a:ext cx="740587" cy="276999"/>
+                  <a:ext cx="734175" cy="276999"/>
                 </a:xfrm>
                 <a:prstGeom prst="rect">
                   <a:avLst/>
@@ -13541,7 +13814,7 @@
                             </a:solidFill>
                             <a:latin typeface="Cambria Math" panose="02040503050406030204" pitchFamily="18" charset="0"/>
                           </a:rPr>
-                          <m:t>ധ</m:t>
+                          <m:t>𝑾</m:t>
                         </m:r>
                       </m:oMath>
                     </m:oMathPara>
@@ -13557,7 +13830,7 @@
               </p:txBody>
             </p:sp>
           </mc:Choice>
-          <mc:Fallback xmlns="">
+          <mc:Fallback>
             <p:sp>
               <p:nvSpPr>
                 <p:cNvPr id="53" name="TextBox 52">
@@ -13575,7 +13848,7 @@
               <p:spPr>
                 <a:xfrm>
                   <a:off x="3041910" y="3217115"/>
-                  <a:ext cx="740587" cy="276999"/>
+                  <a:ext cx="734175" cy="276999"/>
                 </a:xfrm>
                 <a:prstGeom prst="rect">
                   <a:avLst/>
@@ -13583,7 +13856,7 @@
                 <a:blipFill>
                   <a:blip r:embed="rId5"/>
                   <a:stretch>
-                    <a:fillRect l="-4132" r="-9091" b="-8889"/>
+                    <a:fillRect l="-4167" r="-8333" b="-6667"/>
                   </a:stretch>
                 </a:blipFill>
               </p:spPr>
@@ -13809,8 +14082,8 @@
             </a:p>
           </p:txBody>
         </p:sp>
-        <mc:AlternateContent xmlns:mc="http://schemas.openxmlformats.org/markup-compatibility/2006">
-          <mc:Choice xmlns:a14="http://schemas.microsoft.com/office/drawing/2010/main" Requires="a14">
+        <mc:AlternateContent xmlns:mc="http://schemas.openxmlformats.org/markup-compatibility/2006" xmlns:a14="http://schemas.microsoft.com/office/drawing/2010/main">
+          <mc:Choice Requires="a14">
             <p:sp>
               <p:nvSpPr>
                 <p:cNvPr id="76" name="TextBox 75">
@@ -13930,7 +14203,7 @@
               </p:txBody>
             </p:sp>
           </mc:Choice>
-          <mc:Fallback>
+          <mc:Fallback xmlns="">
             <p:sp>
               <p:nvSpPr>
                 <p:cNvPr id="76" name="TextBox 75">
@@ -13975,8 +14248,8 @@
             </p:sp>
           </mc:Fallback>
         </mc:AlternateContent>
-        <mc:AlternateContent xmlns:mc="http://schemas.openxmlformats.org/markup-compatibility/2006">
-          <mc:Choice xmlns:a14="http://schemas.microsoft.com/office/drawing/2010/main" Requires="a14">
+        <mc:AlternateContent xmlns:mc="http://schemas.openxmlformats.org/markup-compatibility/2006" xmlns:a14="http://schemas.microsoft.com/office/drawing/2010/main">
+          <mc:Choice Requires="a14">
             <p:sp>
               <p:nvSpPr>
                 <p:cNvPr id="78" name="TextBox 77">
@@ -14174,7 +14447,7 @@
               </p:txBody>
             </p:sp>
           </mc:Choice>
-          <mc:Fallback>
+          <mc:Fallback xmlns="">
             <p:sp>
               <p:nvSpPr>
                 <p:cNvPr id="78" name="TextBox 77">
@@ -14851,8 +15124,8 @@
                 </p:txBody>
               </p:sp>
             </p:grpSp>
-            <mc:AlternateContent xmlns:mc="http://schemas.openxmlformats.org/markup-compatibility/2006">
-              <mc:Choice xmlns:a14="http://schemas.microsoft.com/office/drawing/2010/main" Requires="a14">
+            <mc:AlternateContent xmlns:mc="http://schemas.openxmlformats.org/markup-compatibility/2006" xmlns:a14="http://schemas.microsoft.com/office/drawing/2010/main">
+              <mc:Choice Requires="a14">
                 <p:sp>
                   <p:nvSpPr>
                     <p:cNvPr id="53" name="TextBox 52">
@@ -15019,7 +15292,7 @@
                   </p:txBody>
                 </p:sp>
               </mc:Choice>
-              <mc:Fallback>
+              <mc:Fallback xmlns="">
                 <p:sp>
                   <p:nvSpPr>
                     <p:cNvPr id="53" name="TextBox 52">
@@ -15111,8 +15384,8 @@
               </a:fontRef>
             </p:style>
           </p:cxnSp>
-          <mc:AlternateContent xmlns:mc="http://schemas.openxmlformats.org/markup-compatibility/2006">
-            <mc:Choice xmlns:a14="http://schemas.microsoft.com/office/drawing/2010/main" Requires="a14">
+          <mc:AlternateContent xmlns:mc="http://schemas.openxmlformats.org/markup-compatibility/2006" xmlns:a14="http://schemas.microsoft.com/office/drawing/2010/main">
+            <mc:Choice Requires="a14">
               <p:sp>
                 <p:nvSpPr>
                   <p:cNvPr id="7" name="TextBox 6">
@@ -15169,7 +15442,7 @@
                 </p:txBody>
               </p:sp>
             </mc:Choice>
-            <mc:Fallback>
+            <mc:Fallback xmlns="">
               <p:sp>
                 <p:nvSpPr>
                   <p:cNvPr id="7" name="TextBox 6">
@@ -16375,8 +16648,8 @@
                 </p:style>
               </p:cxnSp>
             </p:grpSp>
-            <mc:AlternateContent xmlns:mc="http://schemas.openxmlformats.org/markup-compatibility/2006">
-              <mc:Choice xmlns:a14="http://schemas.microsoft.com/office/drawing/2010/main" Requires="a14">
+            <mc:AlternateContent xmlns:mc="http://schemas.openxmlformats.org/markup-compatibility/2006" xmlns:a14="http://schemas.microsoft.com/office/drawing/2010/main">
+              <mc:Choice Requires="a14">
                 <p:sp>
                   <p:nvSpPr>
                     <p:cNvPr id="28" name="TextBox 27">
@@ -16508,7 +16781,7 @@
                   </p:txBody>
                 </p:sp>
               </mc:Choice>
-              <mc:Fallback>
+              <mc:Fallback xmlns="">
                 <p:sp>
                   <p:nvSpPr>
                     <p:cNvPr id="28" name="TextBox 27">
@@ -16600,8 +16873,8 @@
               </a:fontRef>
             </p:style>
           </p:cxnSp>
-          <mc:AlternateContent xmlns:mc="http://schemas.openxmlformats.org/markup-compatibility/2006">
-            <mc:Choice xmlns:a14="http://schemas.microsoft.com/office/drawing/2010/main" Requires="a14">
+          <mc:AlternateContent xmlns:mc="http://schemas.openxmlformats.org/markup-compatibility/2006" xmlns:a14="http://schemas.microsoft.com/office/drawing/2010/main">
+            <mc:Choice Requires="a14">
               <p:sp>
                 <p:nvSpPr>
                   <p:cNvPr id="10" name="TextBox 9">
@@ -16733,7 +17006,7 @@
                 </p:txBody>
               </p:sp>
             </mc:Choice>
-            <mc:Fallback>
+            <mc:Fallback xmlns="">
               <p:sp>
                 <p:nvSpPr>
                   <p:cNvPr id="10" name="TextBox 9">
@@ -16864,8 +17137,8 @@
                   <a:chExt cx="1225092" cy="728622"/>
                 </a:xfrm>
               </p:grpSpPr>
-              <mc:AlternateContent xmlns:mc="http://schemas.openxmlformats.org/markup-compatibility/2006">
-                <mc:Choice xmlns:a14="http://schemas.microsoft.com/office/drawing/2010/main" Requires="a14">
+              <mc:AlternateContent xmlns:mc="http://schemas.openxmlformats.org/markup-compatibility/2006" xmlns:a14="http://schemas.microsoft.com/office/drawing/2010/main">
+                <mc:Choice Requires="a14">
                   <p:sp>
                     <p:nvSpPr>
                       <p:cNvPr id="21" name="Rectangle: Rounded Corners 20">
@@ -17138,7 +17411,7 @@
                     </p:txBody>
                   </p:sp>
                 </mc:Choice>
-                <mc:Fallback>
+                <mc:Fallback xmlns="">
                   <p:sp>
                     <p:nvSpPr>
                       <p:cNvPr id="21" name="Rectangle: Rounded Corners 20">
@@ -18192,8 +18465,8 @@
                 </p:sp>
               </p:grpSp>
             </p:grpSp>
-            <mc:AlternateContent xmlns:mc="http://schemas.openxmlformats.org/markup-compatibility/2006">
-              <mc:Choice xmlns:a14="http://schemas.microsoft.com/office/drawing/2010/main" Requires="a14">
+            <mc:AlternateContent xmlns:mc="http://schemas.openxmlformats.org/markup-compatibility/2006" xmlns:a14="http://schemas.microsoft.com/office/drawing/2010/main">
+              <mc:Choice Requires="a14">
                 <p:sp>
                   <p:nvSpPr>
                     <p:cNvPr id="20" name="TextBox 19">
@@ -18482,7 +18755,7 @@
                   </p:txBody>
                 </p:sp>
               </mc:Choice>
-              <mc:Fallback>
+              <mc:Fallback xmlns="">
                 <p:sp>
                   <p:nvSpPr>
                     <p:cNvPr id="20" name="TextBox 19">
@@ -18574,8 +18847,8 @@
               </a:fontRef>
             </p:style>
           </p:cxnSp>
-          <mc:AlternateContent xmlns:mc="http://schemas.openxmlformats.org/markup-compatibility/2006">
-            <mc:Choice xmlns:a14="http://schemas.microsoft.com/office/drawing/2010/main" Requires="a14">
+          <mc:AlternateContent xmlns:mc="http://schemas.openxmlformats.org/markup-compatibility/2006" xmlns:a14="http://schemas.microsoft.com/office/drawing/2010/main">
+            <mc:Choice Requires="a14">
               <p:sp>
                 <p:nvSpPr>
                   <p:cNvPr id="14" name="TextBox 13">
@@ -18695,7 +18968,7 @@
                 </p:txBody>
               </p:sp>
             </mc:Choice>
-            <mc:Fallback>
+            <mc:Fallback xmlns="">
               <p:sp>
                 <p:nvSpPr>
                   <p:cNvPr id="14" name="TextBox 13">
@@ -19431,8 +19704,8 @@
                 </a:p>
               </p:txBody>
             </p:sp>
-            <mc:AlternateContent xmlns:mc="http://schemas.openxmlformats.org/markup-compatibility/2006">
-              <mc:Choice xmlns:a14="http://schemas.microsoft.com/office/drawing/2010/main" Requires="a14">
+            <mc:AlternateContent xmlns:mc="http://schemas.openxmlformats.org/markup-compatibility/2006" xmlns:a14="http://schemas.microsoft.com/office/drawing/2010/main">
+              <mc:Choice Requires="a14">
                 <p:sp>
                   <p:nvSpPr>
                     <p:cNvPr id="18" name="TextBox 17">
@@ -19468,19 +19741,10 @@
                             <a:srgbClr val="000000"/>
                           </a:solidFill>
                         </a:rPr>
-                        <a:t>损失</a:t>
+                        <a:t>损失函数</a:t>
                       </a:r>
                       <a14:m>
                         <m:oMath xmlns:m="http://schemas.openxmlformats.org/officeDocument/2006/math">
-                          <m:r>
-                            <a:rPr lang="zh-CN" altLang="en-US" b="0" i="1" dirty="0">
-                              <a:solidFill>
-                                <a:srgbClr val="000000"/>
-                              </a:solidFill>
-                              <a:latin typeface="Cambria Math" panose="02040503050406030204" pitchFamily="18" charset="0"/>
-                            </a:rPr>
-                            <m:t>函数</m:t>
-                          </m:r>
                           <m:r>
                             <a:rPr lang="en-US" b="0" i="1" smtClean="0">
                               <a:solidFill>
@@ -19541,7 +19805,7 @@
                   </p:txBody>
                 </p:sp>
               </mc:Choice>
-              <mc:Fallback>
+              <mc:Fallback xmlns="">
                 <p:sp>
                   <p:nvSpPr>
                     <p:cNvPr id="18" name="TextBox 17">

--- a/media/media.pptx
+++ b/media/media.pptx
@@ -118,8 +118,7 @@
 <file path=ppt/revisionInfo.xml><?xml version="1.0" encoding="utf-8"?>
 <p1510:revInfo xmlns:a="http://schemas.openxmlformats.org/drawingml/2006/main" xmlns:r="http://schemas.openxmlformats.org/officeDocument/2006/relationships" xmlns:p1510="http://schemas.microsoft.com/office/powerpoint/2015/10/main">
   <p1510:revLst>
-    <p1510:client id="{F25E99E5-8171-44C4-9A87-28BE82CA5281}" v="88" dt="2023-07-21T05:50:03.331"/>
-    <p1510:client id="{F8300C32-5263-4B74-B2E3-4EA29E77E1C0}" v="4" dt="2023-07-21T06:22:11.429"/>
+    <p1510:client id="{F8300C32-5263-4B74-B2E3-4EA29E77E1C0}" v="14" dt="2023-07-23T01:15:05.569"/>
   </p1510:revLst>
 </p1510:revInfo>
 </file>
@@ -129,7 +128,7 @@
   <pc:docChgLst>
     <pc:chgData name="Bo Tang" userId="332dbdf67b1791cd" providerId="LiveId" clId="{F8300C32-5263-4B74-B2E3-4EA29E77E1C0}"/>
     <pc:docChg chg="modSld">
-      <pc:chgData name="Bo Tang" userId="332dbdf67b1791cd" providerId="LiveId" clId="{F8300C32-5263-4B74-B2E3-4EA29E77E1C0}" dt="2023-07-21T06:22:11.429" v="3" actId="20577"/>
+      <pc:chgData name="Bo Tang" userId="332dbdf67b1791cd" providerId="LiveId" clId="{F8300C32-5263-4B74-B2E3-4EA29E77E1C0}" dt="2023-07-23T01:15:05.569" v="13" actId="20577"/>
       <pc:docMkLst>
         <pc:docMk/>
       </pc:docMkLst>
@@ -393,6 +392,461 @@
             <pc:docMk/>
             <pc:sldMk cId="3064724767" sldId="258"/>
             <ac:cxnSpMk id="87" creationId="{A75DBF4F-F209-1A8C-303F-2CE9242E6B2F}"/>
+          </ac:cxnSpMkLst>
+        </pc:cxnChg>
+      </pc:sldChg>
+      <pc:sldChg chg="modSp">
+        <pc:chgData name="Bo Tang" userId="332dbdf67b1791cd" providerId="LiveId" clId="{F8300C32-5263-4B74-B2E3-4EA29E77E1C0}" dt="2023-07-23T01:15:05.569" v="13" actId="20577"/>
+        <pc:sldMkLst>
+          <pc:docMk/>
+          <pc:sldMk cId="3947104652" sldId="259"/>
+        </pc:sldMkLst>
+        <pc:spChg chg="mod">
+          <ac:chgData name="Bo Tang" userId="332dbdf67b1791cd" providerId="LiveId" clId="{F8300C32-5263-4B74-B2E3-4EA29E77E1C0}" dt="2023-07-23T01:14:57.804" v="10" actId="20577"/>
+          <ac:spMkLst>
+            <pc:docMk/>
+            <pc:sldMk cId="3947104652" sldId="259"/>
+            <ac:spMk id="7" creationId="{2D8AF7F4-650E-8184-F9AC-A941CFC05F34}"/>
+          </ac:spMkLst>
+        </pc:spChg>
+        <pc:spChg chg="mod">
+          <ac:chgData name="Bo Tang" userId="332dbdf67b1791cd" providerId="LiveId" clId="{F8300C32-5263-4B74-B2E3-4EA29E77E1C0}" dt="2023-07-23T01:14:57.804" v="10" actId="20577"/>
+          <ac:spMkLst>
+            <pc:docMk/>
+            <pc:sldMk cId="3947104652" sldId="259"/>
+            <ac:spMk id="10" creationId="{BABF3009-E1E9-853B-958A-6E22A4EF86CE}"/>
+          </ac:spMkLst>
+        </pc:spChg>
+        <pc:spChg chg="mod">
+          <ac:chgData name="Bo Tang" userId="332dbdf67b1791cd" providerId="LiveId" clId="{F8300C32-5263-4B74-B2E3-4EA29E77E1C0}" dt="2023-07-23T01:14:57.804" v="10" actId="20577"/>
+          <ac:spMkLst>
+            <pc:docMk/>
+            <pc:sldMk cId="3947104652" sldId="259"/>
+            <ac:spMk id="14" creationId="{09C55DED-BBAD-0BD1-8A49-C971DFC87FE5}"/>
+          </ac:spMkLst>
+        </pc:spChg>
+        <pc:spChg chg="mod">
+          <ac:chgData name="Bo Tang" userId="332dbdf67b1791cd" providerId="LiveId" clId="{F8300C32-5263-4B74-B2E3-4EA29E77E1C0}" dt="2023-07-23T01:14:57.804" v="10" actId="20577"/>
+          <ac:spMkLst>
+            <pc:docMk/>
+            <pc:sldMk cId="3947104652" sldId="259"/>
+            <ac:spMk id="17" creationId="{D330CBBA-8154-44FD-C22C-2C07F1023987}"/>
+          </ac:spMkLst>
+        </pc:spChg>
+        <pc:spChg chg="mod">
+          <ac:chgData name="Bo Tang" userId="332dbdf67b1791cd" providerId="LiveId" clId="{F8300C32-5263-4B74-B2E3-4EA29E77E1C0}" dt="2023-07-23T01:14:57.804" v="10" actId="20577"/>
+          <ac:spMkLst>
+            <pc:docMk/>
+            <pc:sldMk cId="3947104652" sldId="259"/>
+            <ac:spMk id="18" creationId="{564FF705-DF05-6C95-94DC-8DD09505A51E}"/>
+          </ac:spMkLst>
+        </pc:spChg>
+        <pc:spChg chg="mod">
+          <ac:chgData name="Bo Tang" userId="332dbdf67b1791cd" providerId="LiveId" clId="{F8300C32-5263-4B74-B2E3-4EA29E77E1C0}" dt="2023-07-23T01:14:57.804" v="10" actId="20577"/>
+          <ac:spMkLst>
+            <pc:docMk/>
+            <pc:sldMk cId="3947104652" sldId="259"/>
+            <ac:spMk id="20" creationId="{24F1C92A-EAC6-869A-2A13-2272ADB63407}"/>
+          </ac:spMkLst>
+        </pc:spChg>
+        <pc:spChg chg="mod">
+          <ac:chgData name="Bo Tang" userId="332dbdf67b1791cd" providerId="LiveId" clId="{F8300C32-5263-4B74-B2E3-4EA29E77E1C0}" dt="2023-07-23T01:14:57.804" v="10" actId="20577"/>
+          <ac:spMkLst>
+            <pc:docMk/>
+            <pc:sldMk cId="3947104652" sldId="259"/>
+            <ac:spMk id="21" creationId="{35C6CCDA-FA93-0F48-5DB3-A134DC730D66}"/>
+          </ac:spMkLst>
+        </pc:spChg>
+        <pc:spChg chg="mod">
+          <ac:chgData name="Bo Tang" userId="332dbdf67b1791cd" providerId="LiveId" clId="{F8300C32-5263-4B74-B2E3-4EA29E77E1C0}" dt="2023-07-23T01:14:57.804" v="10" actId="20577"/>
+          <ac:spMkLst>
+            <pc:docMk/>
+            <pc:sldMk cId="3947104652" sldId="259"/>
+            <ac:spMk id="22" creationId="{036D5B4B-D9CE-B994-90CF-41DE018EE5C7}"/>
+          </ac:spMkLst>
+        </pc:spChg>
+        <pc:spChg chg="mod">
+          <ac:chgData name="Bo Tang" userId="332dbdf67b1791cd" providerId="LiveId" clId="{F8300C32-5263-4B74-B2E3-4EA29E77E1C0}" dt="2023-07-23T01:14:57.804" v="10" actId="20577"/>
+          <ac:spMkLst>
+            <pc:docMk/>
+            <pc:sldMk cId="3947104652" sldId="259"/>
+            <ac:spMk id="24" creationId="{C96D0C60-F6F4-D324-AB57-CC8EED8E0C38}"/>
+          </ac:spMkLst>
+        </pc:spChg>
+        <pc:spChg chg="mod">
+          <ac:chgData name="Bo Tang" userId="332dbdf67b1791cd" providerId="LiveId" clId="{F8300C32-5263-4B74-B2E3-4EA29E77E1C0}" dt="2023-07-23T01:14:57.804" v="10" actId="20577"/>
+          <ac:spMkLst>
+            <pc:docMk/>
+            <pc:sldMk cId="3947104652" sldId="259"/>
+            <ac:spMk id="25" creationId="{6BEE001A-E56B-080F-9323-CBAAB674E807}"/>
+          </ac:spMkLst>
+        </pc:spChg>
+        <pc:spChg chg="mod">
+          <ac:chgData name="Bo Tang" userId="332dbdf67b1791cd" providerId="LiveId" clId="{F8300C32-5263-4B74-B2E3-4EA29E77E1C0}" dt="2023-07-23T01:14:57.804" v="10" actId="20577"/>
+          <ac:spMkLst>
+            <pc:docMk/>
+            <pc:sldMk cId="3947104652" sldId="259"/>
+            <ac:spMk id="26" creationId="{FEC25D85-6AB5-FAF5-570A-2DAB2C9C0CE9}"/>
+          </ac:spMkLst>
+        </pc:spChg>
+        <pc:spChg chg="mod">
+          <ac:chgData name="Bo Tang" userId="332dbdf67b1791cd" providerId="LiveId" clId="{F8300C32-5263-4B74-B2E3-4EA29E77E1C0}" dt="2023-07-23T01:14:57.804" v="10" actId="20577"/>
+          <ac:spMkLst>
+            <pc:docMk/>
+            <pc:sldMk cId="3947104652" sldId="259"/>
+            <ac:spMk id="28" creationId="{3D28A395-13E7-AEC0-F189-1AF0758496B8}"/>
+          </ac:spMkLst>
+        </pc:spChg>
+        <pc:spChg chg="mod">
+          <ac:chgData name="Bo Tang" userId="332dbdf67b1791cd" providerId="LiveId" clId="{F8300C32-5263-4B74-B2E3-4EA29E77E1C0}" dt="2023-07-23T01:14:57.804" v="10" actId="20577"/>
+          <ac:spMkLst>
+            <pc:docMk/>
+            <pc:sldMk cId="3947104652" sldId="259"/>
+            <ac:spMk id="29" creationId="{0C729DD0-1FC0-2580-D586-F2FEB924C71B}"/>
+          </ac:spMkLst>
+        </pc:spChg>
+        <pc:spChg chg="mod">
+          <ac:chgData name="Bo Tang" userId="332dbdf67b1791cd" providerId="LiveId" clId="{F8300C32-5263-4B74-B2E3-4EA29E77E1C0}" dt="2023-07-23T01:14:57.804" v="10" actId="20577"/>
+          <ac:spMkLst>
+            <pc:docMk/>
+            <pc:sldMk cId="3947104652" sldId="259"/>
+            <ac:spMk id="30" creationId="{9E149C29-B609-BBD6-9E4B-93930F63F412}"/>
+          </ac:spMkLst>
+        </pc:spChg>
+        <pc:spChg chg="mod">
+          <ac:chgData name="Bo Tang" userId="332dbdf67b1791cd" providerId="LiveId" clId="{F8300C32-5263-4B74-B2E3-4EA29E77E1C0}" dt="2023-07-23T01:14:57.804" v="10" actId="20577"/>
+          <ac:spMkLst>
+            <pc:docMk/>
+            <pc:sldMk cId="3947104652" sldId="259"/>
+            <ac:spMk id="31" creationId="{1A39EE81-2E77-72AE-4647-4521A6E9502E}"/>
+          </ac:spMkLst>
+        </pc:spChg>
+        <pc:spChg chg="mod">
+          <ac:chgData name="Bo Tang" userId="332dbdf67b1791cd" providerId="LiveId" clId="{F8300C32-5263-4B74-B2E3-4EA29E77E1C0}" dt="2023-07-23T01:14:57.804" v="10" actId="20577"/>
+          <ac:spMkLst>
+            <pc:docMk/>
+            <pc:sldMk cId="3947104652" sldId="259"/>
+            <ac:spMk id="32" creationId="{7B2F2CC6-D35B-7D72-3AB5-D8F542489249}"/>
+          </ac:spMkLst>
+        </pc:spChg>
+        <pc:spChg chg="mod">
+          <ac:chgData name="Bo Tang" userId="332dbdf67b1791cd" providerId="LiveId" clId="{F8300C32-5263-4B74-B2E3-4EA29E77E1C0}" dt="2023-07-23T01:14:57.804" v="10" actId="20577"/>
+          <ac:spMkLst>
+            <pc:docMk/>
+            <pc:sldMk cId="3947104652" sldId="259"/>
+            <ac:spMk id="33" creationId="{8C33C352-0593-18AF-FD2A-5DE3069E48AD}"/>
+          </ac:spMkLst>
+        </pc:spChg>
+        <pc:spChg chg="mod">
+          <ac:chgData name="Bo Tang" userId="332dbdf67b1791cd" providerId="LiveId" clId="{F8300C32-5263-4B74-B2E3-4EA29E77E1C0}" dt="2023-07-23T01:14:57.804" v="10" actId="20577"/>
+          <ac:spMkLst>
+            <pc:docMk/>
+            <pc:sldMk cId="3947104652" sldId="259"/>
+            <ac:spMk id="34" creationId="{D6F7DA06-AEE0-1873-7124-52178673DB1D}"/>
+          </ac:spMkLst>
+        </pc:spChg>
+        <pc:spChg chg="mod">
+          <ac:chgData name="Bo Tang" userId="332dbdf67b1791cd" providerId="LiveId" clId="{F8300C32-5263-4B74-B2E3-4EA29E77E1C0}" dt="2023-07-23T01:14:57.804" v="10" actId="20577"/>
+          <ac:spMkLst>
+            <pc:docMk/>
+            <pc:sldMk cId="3947104652" sldId="259"/>
+            <ac:spMk id="35" creationId="{44D1D1B8-A690-504A-F8C2-0BC2D568823D}"/>
+          </ac:spMkLst>
+        </pc:spChg>
+        <pc:spChg chg="mod">
+          <ac:chgData name="Bo Tang" userId="332dbdf67b1791cd" providerId="LiveId" clId="{F8300C32-5263-4B74-B2E3-4EA29E77E1C0}" dt="2023-07-23T01:14:57.804" v="10" actId="20577"/>
+          <ac:spMkLst>
+            <pc:docMk/>
+            <pc:sldMk cId="3947104652" sldId="259"/>
+            <ac:spMk id="36" creationId="{4E12AD3A-6B65-D3E8-9CBC-20BCDB15B814}"/>
+          </ac:spMkLst>
+        </pc:spChg>
+        <pc:spChg chg="mod">
+          <ac:chgData name="Bo Tang" userId="332dbdf67b1791cd" providerId="LiveId" clId="{F8300C32-5263-4B74-B2E3-4EA29E77E1C0}" dt="2023-07-23T01:15:05.569" v="13" actId="20577"/>
+          <ac:spMkLst>
+            <pc:docMk/>
+            <pc:sldMk cId="3947104652" sldId="259"/>
+            <ac:spMk id="53" creationId="{91A16EE5-D9EB-B043-F39C-A7E9F5CDF073}"/>
+          </ac:spMkLst>
+        </pc:spChg>
+        <pc:spChg chg="mod">
+          <ac:chgData name="Bo Tang" userId="332dbdf67b1791cd" providerId="LiveId" clId="{F8300C32-5263-4B74-B2E3-4EA29E77E1C0}" dt="2023-07-23T01:14:57.804" v="10" actId="20577"/>
+          <ac:spMkLst>
+            <pc:docMk/>
+            <pc:sldMk cId="3947104652" sldId="259"/>
+            <ac:spMk id="54" creationId="{60E44933-E90A-864A-51FA-A0016740001A}"/>
+          </ac:spMkLst>
+        </pc:spChg>
+        <pc:spChg chg="mod">
+          <ac:chgData name="Bo Tang" userId="332dbdf67b1791cd" providerId="LiveId" clId="{F8300C32-5263-4B74-B2E3-4EA29E77E1C0}" dt="2023-07-23T01:14:57.804" v="10" actId="20577"/>
+          <ac:spMkLst>
+            <pc:docMk/>
+            <pc:sldMk cId="3947104652" sldId="259"/>
+            <ac:spMk id="55" creationId="{C521A77F-CEEC-5FB6-0C49-23D6A8351CAB}"/>
+          </ac:spMkLst>
+        </pc:spChg>
+        <pc:spChg chg="mod">
+          <ac:chgData name="Bo Tang" userId="332dbdf67b1791cd" providerId="LiveId" clId="{F8300C32-5263-4B74-B2E3-4EA29E77E1C0}" dt="2023-07-23T01:14:57.804" v="10" actId="20577"/>
+          <ac:spMkLst>
+            <pc:docMk/>
+            <pc:sldMk cId="3947104652" sldId="259"/>
+            <ac:spMk id="56" creationId="{66CD57FC-12CD-2EEF-0E00-A2D12452F3ED}"/>
+          </ac:spMkLst>
+        </pc:spChg>
+        <pc:spChg chg="mod">
+          <ac:chgData name="Bo Tang" userId="332dbdf67b1791cd" providerId="LiveId" clId="{F8300C32-5263-4B74-B2E3-4EA29E77E1C0}" dt="2023-07-23T01:14:57.804" v="10" actId="20577"/>
+          <ac:spMkLst>
+            <pc:docMk/>
+            <pc:sldMk cId="3947104652" sldId="259"/>
+            <ac:spMk id="57" creationId="{EDC3C84B-228A-D569-CA0C-40C9388A498C}"/>
+          </ac:spMkLst>
+        </pc:spChg>
+        <pc:spChg chg="mod">
+          <ac:chgData name="Bo Tang" userId="332dbdf67b1791cd" providerId="LiveId" clId="{F8300C32-5263-4B74-B2E3-4EA29E77E1C0}" dt="2023-07-23T01:14:57.804" v="10" actId="20577"/>
+          <ac:spMkLst>
+            <pc:docMk/>
+            <pc:sldMk cId="3947104652" sldId="259"/>
+            <ac:spMk id="58" creationId="{B4DE57A8-F8BA-D62B-3C08-F1EAE0A8662C}"/>
+          </ac:spMkLst>
+        </pc:spChg>
+        <pc:grpChg chg="mod">
+          <ac:chgData name="Bo Tang" userId="332dbdf67b1791cd" providerId="LiveId" clId="{F8300C32-5263-4B74-B2E3-4EA29E77E1C0}" dt="2023-07-23T01:14:57.804" v="10" actId="20577"/>
+          <ac:grpSpMkLst>
+            <pc:docMk/>
+            <pc:sldMk cId="3947104652" sldId="259"/>
+            <ac:grpSpMk id="4" creationId="{F7AD58C1-3C59-58A2-F3B3-A7718AEC7EAF}"/>
+          </ac:grpSpMkLst>
+        </pc:grpChg>
+        <pc:grpChg chg="mod">
+          <ac:chgData name="Bo Tang" userId="332dbdf67b1791cd" providerId="LiveId" clId="{F8300C32-5263-4B74-B2E3-4EA29E77E1C0}" dt="2023-07-23T01:14:57.804" v="10" actId="20577"/>
+          <ac:grpSpMkLst>
+            <pc:docMk/>
+            <pc:sldMk cId="3947104652" sldId="259"/>
+            <ac:grpSpMk id="5" creationId="{720F4215-E49D-AE6C-5D79-B25AAF1655CB}"/>
+          </ac:grpSpMkLst>
+        </pc:grpChg>
+        <pc:grpChg chg="mod">
+          <ac:chgData name="Bo Tang" userId="332dbdf67b1791cd" providerId="LiveId" clId="{F8300C32-5263-4B74-B2E3-4EA29E77E1C0}" dt="2023-07-23T01:14:57.804" v="10" actId="20577"/>
+          <ac:grpSpMkLst>
+            <pc:docMk/>
+            <pc:sldMk cId="3947104652" sldId="259"/>
+            <ac:grpSpMk id="8" creationId="{DC4D144C-8177-0BE7-F12F-D0EC00C4FE76}"/>
+          </ac:grpSpMkLst>
+        </pc:grpChg>
+        <pc:grpChg chg="mod">
+          <ac:chgData name="Bo Tang" userId="332dbdf67b1791cd" providerId="LiveId" clId="{F8300C32-5263-4B74-B2E3-4EA29E77E1C0}" dt="2023-07-23T01:14:57.804" v="10" actId="20577"/>
+          <ac:grpSpMkLst>
+            <pc:docMk/>
+            <pc:sldMk cId="3947104652" sldId="259"/>
+            <ac:grpSpMk id="12" creationId="{2E0A4D7C-EB62-4A38-E738-262C8414FC05}"/>
+          </ac:grpSpMkLst>
+        </pc:grpChg>
+        <pc:grpChg chg="mod">
+          <ac:chgData name="Bo Tang" userId="332dbdf67b1791cd" providerId="LiveId" clId="{F8300C32-5263-4B74-B2E3-4EA29E77E1C0}" dt="2023-07-23T01:14:57.804" v="10" actId="20577"/>
+          <ac:grpSpMkLst>
+            <pc:docMk/>
+            <pc:sldMk cId="3947104652" sldId="259"/>
+            <ac:grpSpMk id="16" creationId="{060D9DF8-42D7-5D8F-20D6-F3DCC3B80897}"/>
+          </ac:grpSpMkLst>
+        </pc:grpChg>
+        <pc:grpChg chg="mod">
+          <ac:chgData name="Bo Tang" userId="332dbdf67b1791cd" providerId="LiveId" clId="{F8300C32-5263-4B74-B2E3-4EA29E77E1C0}" dt="2023-07-23T01:14:57.804" v="10" actId="20577"/>
+          <ac:grpSpMkLst>
+            <pc:docMk/>
+            <pc:sldMk cId="3947104652" sldId="259"/>
+            <ac:grpSpMk id="19" creationId="{BB93CC66-83AF-EA41-5A28-6C241838C2D8}"/>
+          </ac:grpSpMkLst>
+        </pc:grpChg>
+        <pc:grpChg chg="mod">
+          <ac:chgData name="Bo Tang" userId="332dbdf67b1791cd" providerId="LiveId" clId="{F8300C32-5263-4B74-B2E3-4EA29E77E1C0}" dt="2023-07-23T01:14:57.804" v="10" actId="20577"/>
+          <ac:grpSpMkLst>
+            <pc:docMk/>
+            <pc:sldMk cId="3947104652" sldId="259"/>
+            <ac:grpSpMk id="23" creationId="{D5606627-F18C-A40B-43DD-9D7189E4CE93}"/>
+          </ac:grpSpMkLst>
+        </pc:grpChg>
+        <pc:grpChg chg="mod">
+          <ac:chgData name="Bo Tang" userId="332dbdf67b1791cd" providerId="LiveId" clId="{F8300C32-5263-4B74-B2E3-4EA29E77E1C0}" dt="2023-07-23T01:14:57.804" v="10" actId="20577"/>
+          <ac:grpSpMkLst>
+            <pc:docMk/>
+            <pc:sldMk cId="3947104652" sldId="259"/>
+            <ac:grpSpMk id="27" creationId="{48DA4762-F162-C819-8752-81EEDBADEE94}"/>
+          </ac:grpSpMkLst>
+        </pc:grpChg>
+        <pc:grpChg chg="mod">
+          <ac:chgData name="Bo Tang" userId="332dbdf67b1791cd" providerId="LiveId" clId="{F8300C32-5263-4B74-B2E3-4EA29E77E1C0}" dt="2023-07-23T01:14:57.804" v="10" actId="20577"/>
+          <ac:grpSpMkLst>
+            <pc:docMk/>
+            <pc:sldMk cId="3947104652" sldId="259"/>
+            <ac:grpSpMk id="52" creationId="{09F80633-9DB0-1862-1E38-E479EA31EFE0}"/>
+          </ac:grpSpMkLst>
+        </pc:grpChg>
+        <pc:grpChg chg="mod">
+          <ac:chgData name="Bo Tang" userId="332dbdf67b1791cd" providerId="LiveId" clId="{F8300C32-5263-4B74-B2E3-4EA29E77E1C0}" dt="2023-07-23T01:14:57.804" v="10" actId="20577"/>
+          <ac:grpSpMkLst>
+            <pc:docMk/>
+            <pc:sldMk cId="3947104652" sldId="259"/>
+            <ac:grpSpMk id="59" creationId="{57FB46A9-5339-15FD-7892-0E3796143E13}"/>
+          </ac:grpSpMkLst>
+        </pc:grpChg>
+        <pc:cxnChg chg="mod">
+          <ac:chgData name="Bo Tang" userId="332dbdf67b1791cd" providerId="LiveId" clId="{F8300C32-5263-4B74-B2E3-4EA29E77E1C0}" dt="2023-07-23T01:14:57.804" v="10" actId="20577"/>
+          <ac:cxnSpMkLst>
+            <pc:docMk/>
+            <pc:sldMk cId="3947104652" sldId="259"/>
+            <ac:cxnSpMk id="6" creationId="{07A19FA8-F36D-BBC8-0A97-D836862A21EF}"/>
+          </ac:cxnSpMkLst>
+        </pc:cxnChg>
+        <pc:cxnChg chg="mod">
+          <ac:chgData name="Bo Tang" userId="332dbdf67b1791cd" providerId="LiveId" clId="{F8300C32-5263-4B74-B2E3-4EA29E77E1C0}" dt="2023-07-23T01:14:57.804" v="10" actId="20577"/>
+          <ac:cxnSpMkLst>
+            <pc:docMk/>
+            <pc:sldMk cId="3947104652" sldId="259"/>
+            <ac:cxnSpMk id="9" creationId="{097BDF8F-4BC5-20A3-075B-F01B225196B1}"/>
+          </ac:cxnSpMkLst>
+        </pc:cxnChg>
+        <pc:cxnChg chg="mod">
+          <ac:chgData name="Bo Tang" userId="332dbdf67b1791cd" providerId="LiveId" clId="{F8300C32-5263-4B74-B2E3-4EA29E77E1C0}" dt="2023-07-23T01:14:57.804" v="10" actId="20577"/>
+          <ac:cxnSpMkLst>
+            <pc:docMk/>
+            <pc:sldMk cId="3947104652" sldId="259"/>
+            <ac:cxnSpMk id="11" creationId="{EC05B3B6-42F7-D68D-6E15-3A182BBC0C26}"/>
+          </ac:cxnSpMkLst>
+        </pc:cxnChg>
+        <pc:cxnChg chg="mod">
+          <ac:chgData name="Bo Tang" userId="332dbdf67b1791cd" providerId="LiveId" clId="{F8300C32-5263-4B74-B2E3-4EA29E77E1C0}" dt="2023-07-23T01:14:57.804" v="10" actId="20577"/>
+          <ac:cxnSpMkLst>
+            <pc:docMk/>
+            <pc:sldMk cId="3947104652" sldId="259"/>
+            <ac:cxnSpMk id="13" creationId="{40B206AA-7F32-2CDD-3FE7-E5B31641A7FE}"/>
+          </ac:cxnSpMkLst>
+        </pc:cxnChg>
+        <pc:cxnChg chg="mod">
+          <ac:chgData name="Bo Tang" userId="332dbdf67b1791cd" providerId="LiveId" clId="{F8300C32-5263-4B74-B2E3-4EA29E77E1C0}" dt="2023-07-23T01:14:57.804" v="10" actId="20577"/>
+          <ac:cxnSpMkLst>
+            <pc:docMk/>
+            <pc:sldMk cId="3947104652" sldId="259"/>
+            <ac:cxnSpMk id="15" creationId="{F6A1907B-B16E-DCBD-EA05-B9E5087D8AF3}"/>
+          </ac:cxnSpMkLst>
+        </pc:cxnChg>
+        <pc:cxnChg chg="mod">
+          <ac:chgData name="Bo Tang" userId="332dbdf67b1791cd" providerId="LiveId" clId="{F8300C32-5263-4B74-B2E3-4EA29E77E1C0}" dt="2023-07-23T01:14:57.804" v="10" actId="20577"/>
+          <ac:cxnSpMkLst>
+            <pc:docMk/>
+            <pc:sldMk cId="3947104652" sldId="259"/>
+            <ac:cxnSpMk id="37" creationId="{3BB9A5DF-2E8B-4779-9883-204B42461C4D}"/>
+          </ac:cxnSpMkLst>
+        </pc:cxnChg>
+        <pc:cxnChg chg="mod">
+          <ac:chgData name="Bo Tang" userId="332dbdf67b1791cd" providerId="LiveId" clId="{F8300C32-5263-4B74-B2E3-4EA29E77E1C0}" dt="2023-07-23T01:14:57.804" v="10" actId="20577"/>
+          <ac:cxnSpMkLst>
+            <pc:docMk/>
+            <pc:sldMk cId="3947104652" sldId="259"/>
+            <ac:cxnSpMk id="38" creationId="{31CBCD96-C39B-0A5E-416B-45397CF84B23}"/>
+          </ac:cxnSpMkLst>
+        </pc:cxnChg>
+        <pc:cxnChg chg="mod">
+          <ac:chgData name="Bo Tang" userId="332dbdf67b1791cd" providerId="LiveId" clId="{F8300C32-5263-4B74-B2E3-4EA29E77E1C0}" dt="2023-07-23T01:14:57.804" v="10" actId="20577"/>
+          <ac:cxnSpMkLst>
+            <pc:docMk/>
+            <pc:sldMk cId="3947104652" sldId="259"/>
+            <ac:cxnSpMk id="39" creationId="{F5AB2CBA-E7B9-D28F-9DBD-41B51A57181D}"/>
+          </ac:cxnSpMkLst>
+        </pc:cxnChg>
+        <pc:cxnChg chg="mod">
+          <ac:chgData name="Bo Tang" userId="332dbdf67b1791cd" providerId="LiveId" clId="{F8300C32-5263-4B74-B2E3-4EA29E77E1C0}" dt="2023-07-23T01:14:57.804" v="10" actId="20577"/>
+          <ac:cxnSpMkLst>
+            <pc:docMk/>
+            <pc:sldMk cId="3947104652" sldId="259"/>
+            <ac:cxnSpMk id="40" creationId="{698AA6EC-363F-11DB-DFE3-C487B389EB5C}"/>
+          </ac:cxnSpMkLst>
+        </pc:cxnChg>
+        <pc:cxnChg chg="mod">
+          <ac:chgData name="Bo Tang" userId="332dbdf67b1791cd" providerId="LiveId" clId="{F8300C32-5263-4B74-B2E3-4EA29E77E1C0}" dt="2023-07-23T01:14:57.804" v="10" actId="20577"/>
+          <ac:cxnSpMkLst>
+            <pc:docMk/>
+            <pc:sldMk cId="3947104652" sldId="259"/>
+            <ac:cxnSpMk id="41" creationId="{339E45EA-F2AB-DBCB-942C-448E18A86C97}"/>
+          </ac:cxnSpMkLst>
+        </pc:cxnChg>
+        <pc:cxnChg chg="mod">
+          <ac:chgData name="Bo Tang" userId="332dbdf67b1791cd" providerId="LiveId" clId="{F8300C32-5263-4B74-B2E3-4EA29E77E1C0}" dt="2023-07-23T01:14:57.804" v="10" actId="20577"/>
+          <ac:cxnSpMkLst>
+            <pc:docMk/>
+            <pc:sldMk cId="3947104652" sldId="259"/>
+            <ac:cxnSpMk id="42" creationId="{878191D8-26D0-03D3-721F-64FB4E7131CD}"/>
+          </ac:cxnSpMkLst>
+        </pc:cxnChg>
+        <pc:cxnChg chg="mod">
+          <ac:chgData name="Bo Tang" userId="332dbdf67b1791cd" providerId="LiveId" clId="{F8300C32-5263-4B74-B2E3-4EA29E77E1C0}" dt="2023-07-23T01:14:57.804" v="10" actId="20577"/>
+          <ac:cxnSpMkLst>
+            <pc:docMk/>
+            <pc:sldMk cId="3947104652" sldId="259"/>
+            <ac:cxnSpMk id="43" creationId="{5C303DE7-CC05-64BC-A357-47C2213CF437}"/>
+          </ac:cxnSpMkLst>
+        </pc:cxnChg>
+        <pc:cxnChg chg="mod">
+          <ac:chgData name="Bo Tang" userId="332dbdf67b1791cd" providerId="LiveId" clId="{F8300C32-5263-4B74-B2E3-4EA29E77E1C0}" dt="2023-07-23T01:14:57.804" v="10" actId="20577"/>
+          <ac:cxnSpMkLst>
+            <pc:docMk/>
+            <pc:sldMk cId="3947104652" sldId="259"/>
+            <ac:cxnSpMk id="44" creationId="{F7AFEC58-E505-6929-2C58-16110A25B03E}"/>
+          </ac:cxnSpMkLst>
+        </pc:cxnChg>
+        <pc:cxnChg chg="mod">
+          <ac:chgData name="Bo Tang" userId="332dbdf67b1791cd" providerId="LiveId" clId="{F8300C32-5263-4B74-B2E3-4EA29E77E1C0}" dt="2023-07-23T01:14:57.804" v="10" actId="20577"/>
+          <ac:cxnSpMkLst>
+            <pc:docMk/>
+            <pc:sldMk cId="3947104652" sldId="259"/>
+            <ac:cxnSpMk id="45" creationId="{ACF96781-EEA2-D9F2-43C3-E3F6244DAC81}"/>
+          </ac:cxnSpMkLst>
+        </pc:cxnChg>
+        <pc:cxnChg chg="mod">
+          <ac:chgData name="Bo Tang" userId="332dbdf67b1791cd" providerId="LiveId" clId="{F8300C32-5263-4B74-B2E3-4EA29E77E1C0}" dt="2023-07-23T01:14:57.804" v="10" actId="20577"/>
+          <ac:cxnSpMkLst>
+            <pc:docMk/>
+            <pc:sldMk cId="3947104652" sldId="259"/>
+            <ac:cxnSpMk id="46" creationId="{712E62F7-AD86-F5BD-37D0-874123515D34}"/>
+          </ac:cxnSpMkLst>
+        </pc:cxnChg>
+        <pc:cxnChg chg="mod">
+          <ac:chgData name="Bo Tang" userId="332dbdf67b1791cd" providerId="LiveId" clId="{F8300C32-5263-4B74-B2E3-4EA29E77E1C0}" dt="2023-07-23T01:14:57.804" v="10" actId="20577"/>
+          <ac:cxnSpMkLst>
+            <pc:docMk/>
+            <pc:sldMk cId="3947104652" sldId="259"/>
+            <ac:cxnSpMk id="47" creationId="{6641C34A-6DB0-C880-E2E8-927F4720C96A}"/>
+          </ac:cxnSpMkLst>
+        </pc:cxnChg>
+        <pc:cxnChg chg="mod">
+          <ac:chgData name="Bo Tang" userId="332dbdf67b1791cd" providerId="LiveId" clId="{F8300C32-5263-4B74-B2E3-4EA29E77E1C0}" dt="2023-07-23T01:14:57.804" v="10" actId="20577"/>
+          <ac:cxnSpMkLst>
+            <pc:docMk/>
+            <pc:sldMk cId="3947104652" sldId="259"/>
+            <ac:cxnSpMk id="48" creationId="{6FE59E69-F7B6-D4E7-E9BE-0E4B260D1508}"/>
+          </ac:cxnSpMkLst>
+        </pc:cxnChg>
+        <pc:cxnChg chg="mod">
+          <ac:chgData name="Bo Tang" userId="332dbdf67b1791cd" providerId="LiveId" clId="{F8300C32-5263-4B74-B2E3-4EA29E77E1C0}" dt="2023-07-23T01:14:57.804" v="10" actId="20577"/>
+          <ac:cxnSpMkLst>
+            <pc:docMk/>
+            <pc:sldMk cId="3947104652" sldId="259"/>
+            <ac:cxnSpMk id="49" creationId="{AB955012-B1CE-5277-3A5C-9F539C8E4C10}"/>
+          </ac:cxnSpMkLst>
+        </pc:cxnChg>
+        <pc:cxnChg chg="mod">
+          <ac:chgData name="Bo Tang" userId="332dbdf67b1791cd" providerId="LiveId" clId="{F8300C32-5263-4B74-B2E3-4EA29E77E1C0}" dt="2023-07-23T01:14:57.804" v="10" actId="20577"/>
+          <ac:cxnSpMkLst>
+            <pc:docMk/>
+            <pc:sldMk cId="3947104652" sldId="259"/>
+            <ac:cxnSpMk id="50" creationId="{C1FF48B2-577F-2455-ABB0-3F61F693C952}"/>
+          </ac:cxnSpMkLst>
+        </pc:cxnChg>
+        <pc:cxnChg chg="mod">
+          <ac:chgData name="Bo Tang" userId="332dbdf67b1791cd" providerId="LiveId" clId="{F8300C32-5263-4B74-B2E3-4EA29E77E1C0}" dt="2023-07-23T01:14:57.804" v="10" actId="20577"/>
+          <ac:cxnSpMkLst>
+            <pc:docMk/>
+            <pc:sldMk cId="3947104652" sldId="259"/>
+            <ac:cxnSpMk id="51" creationId="{3C58346C-2D81-EB2D-A1E2-0D556C733C95}"/>
           </ac:cxnSpMkLst>
         </pc:cxnChg>
       </pc:sldChg>
@@ -6507,7 +6961,7 @@
           <a:p>
             <a:fld id="{B1B9AF34-9AC4-45FB-A759-451273123E49}" type="datetimeFigureOut">
               <a:rPr lang="en-US" smtClean="0"/>
-              <a:t>7/21/2023</a:t>
+              <a:t>7/22/2023</a:t>
             </a:fld>
             <a:endParaRPr lang="en-US"/>
           </a:p>
@@ -6705,7 +7159,7 @@
           <a:p>
             <a:fld id="{B1B9AF34-9AC4-45FB-A759-451273123E49}" type="datetimeFigureOut">
               <a:rPr lang="en-US" smtClean="0"/>
-              <a:t>7/21/2023</a:t>
+              <a:t>7/22/2023</a:t>
             </a:fld>
             <a:endParaRPr lang="en-US"/>
           </a:p>
@@ -6913,7 +7367,7 @@
           <a:p>
             <a:fld id="{B1B9AF34-9AC4-45FB-A759-451273123E49}" type="datetimeFigureOut">
               <a:rPr lang="en-US" smtClean="0"/>
-              <a:t>7/21/2023</a:t>
+              <a:t>7/22/2023</a:t>
             </a:fld>
             <a:endParaRPr lang="en-US"/>
           </a:p>
@@ -7111,7 +7565,7 @@
           <a:p>
             <a:fld id="{B1B9AF34-9AC4-45FB-A759-451273123E49}" type="datetimeFigureOut">
               <a:rPr lang="en-US" smtClean="0"/>
-              <a:t>7/21/2023</a:t>
+              <a:t>7/22/2023</a:t>
             </a:fld>
             <a:endParaRPr lang="en-US"/>
           </a:p>
@@ -7386,7 +7840,7 @@
           <a:p>
             <a:fld id="{B1B9AF34-9AC4-45FB-A759-451273123E49}" type="datetimeFigureOut">
               <a:rPr lang="en-US" smtClean="0"/>
-              <a:t>7/21/2023</a:t>
+              <a:t>7/22/2023</a:t>
             </a:fld>
             <a:endParaRPr lang="en-US"/>
           </a:p>
@@ -7651,7 +8105,7 @@
           <a:p>
             <a:fld id="{B1B9AF34-9AC4-45FB-A759-451273123E49}" type="datetimeFigureOut">
               <a:rPr lang="en-US" smtClean="0"/>
-              <a:t>7/21/2023</a:t>
+              <a:t>7/22/2023</a:t>
             </a:fld>
             <a:endParaRPr lang="en-US"/>
           </a:p>
@@ -8063,7 +8517,7 @@
           <a:p>
             <a:fld id="{B1B9AF34-9AC4-45FB-A759-451273123E49}" type="datetimeFigureOut">
               <a:rPr lang="en-US" smtClean="0"/>
-              <a:t>7/21/2023</a:t>
+              <a:t>7/22/2023</a:t>
             </a:fld>
             <a:endParaRPr lang="en-US"/>
           </a:p>
@@ -8204,7 +8658,7 @@
           <a:p>
             <a:fld id="{B1B9AF34-9AC4-45FB-A759-451273123E49}" type="datetimeFigureOut">
               <a:rPr lang="en-US" smtClean="0"/>
-              <a:t>7/21/2023</a:t>
+              <a:t>7/22/2023</a:t>
             </a:fld>
             <a:endParaRPr lang="en-US"/>
           </a:p>
@@ -8317,7 +8771,7 @@
           <a:p>
             <a:fld id="{B1B9AF34-9AC4-45FB-A759-451273123E49}" type="datetimeFigureOut">
               <a:rPr lang="en-US" smtClean="0"/>
-              <a:t>7/21/2023</a:t>
+              <a:t>7/22/2023</a:t>
             </a:fld>
             <a:endParaRPr lang="en-US"/>
           </a:p>
@@ -8628,7 +9082,7 @@
           <a:p>
             <a:fld id="{B1B9AF34-9AC4-45FB-A759-451273123E49}" type="datetimeFigureOut">
               <a:rPr lang="en-US" smtClean="0"/>
-              <a:t>7/21/2023</a:t>
+              <a:t>7/22/2023</a:t>
             </a:fld>
             <a:endParaRPr lang="en-US"/>
           </a:p>
@@ -8916,7 +9370,7 @@
           <a:p>
             <a:fld id="{B1B9AF34-9AC4-45FB-A759-451273123E49}" type="datetimeFigureOut">
               <a:rPr lang="en-US" smtClean="0"/>
-              <a:t>7/21/2023</a:t>
+              <a:t>7/22/2023</a:t>
             </a:fld>
             <a:endParaRPr lang="en-US"/>
           </a:p>
@@ -9157,7 +9611,7 @@
           <a:p>
             <a:fld id="{B1B9AF34-9AC4-45FB-A759-451273123E49}" type="datetimeFigureOut">
               <a:rPr lang="en-US" smtClean="0"/>
-              <a:t>7/21/2023</a:t>
+              <a:t>7/22/2023</a:t>
             </a:fld>
             <a:endParaRPr lang="en-US"/>
           </a:p>
@@ -10520,29 +10974,7 @@
                                 </a:solidFill>
                                 <a:latin typeface="Cambria Math" panose="02040503050406030204" pitchFamily="18" charset="0"/>
                               </a:rPr>
-                              <m:t>0</m:t>
-                            </m:r>
-                            <m:r>
-                              <a:rPr lang="en-US" altLang="zh-CN" b="0" i="1" dirty="0" smtClean="0">
-                                <a:solidFill>
-                                  <a:schemeClr val="accent4">
-                                    <a:lumMod val="50000"/>
-                                  </a:schemeClr>
-                                </a:solidFill>
-                                <a:latin typeface="Cambria Math" panose="02040503050406030204" pitchFamily="18" charset="0"/>
-                              </a:rPr>
-                              <m:t>,</m:t>
-                            </m:r>
-                            <m:r>
-                              <a:rPr lang="en-US" altLang="zh-CN" b="0" i="1" dirty="0" smtClean="0">
-                                <a:solidFill>
-                                  <a:schemeClr val="accent4">
-                                    <a:lumMod val="50000"/>
-                                  </a:schemeClr>
-                                </a:solidFill>
-                                <a:latin typeface="Cambria Math" panose="02040503050406030204" pitchFamily="18" charset="0"/>
-                              </a:rPr>
-                              <m:t>0</m:t>
+                              <m:t>0,0</m:t>
                             </m:r>
                           </m:e>
                         </m:d>
@@ -10746,29 +11178,7 @@
                                 </a:solidFill>
                                 <a:latin typeface="Cambria Math" panose="02040503050406030204" pitchFamily="18" charset="0"/>
                               </a:rPr>
-                              <m:t>0</m:t>
-                            </m:r>
-                            <m:r>
-                              <a:rPr lang="en-US" altLang="zh-CN" b="0" i="1" dirty="0" smtClean="0">
-                                <a:solidFill>
-                                  <a:schemeClr val="accent5">
-                                    <a:lumMod val="50000"/>
-                                  </a:schemeClr>
-                                </a:solidFill>
-                                <a:latin typeface="Cambria Math" panose="02040503050406030204" pitchFamily="18" charset="0"/>
-                              </a:rPr>
-                              <m:t>,</m:t>
-                            </m:r>
-                            <m:r>
-                              <a:rPr lang="en-US" altLang="zh-CN" b="0" i="1" dirty="0" smtClean="0">
-                                <a:solidFill>
-                                  <a:schemeClr val="accent5">
-                                    <a:lumMod val="50000"/>
-                                  </a:schemeClr>
-                                </a:solidFill>
-                                <a:latin typeface="Cambria Math" panose="02040503050406030204" pitchFamily="18" charset="0"/>
-                              </a:rPr>
-                              <m:t>1</m:t>
+                              <m:t>0,1</m:t>
                             </m:r>
                           </m:e>
                         </m:d>
@@ -10972,29 +11382,7 @@
                                 </a:solidFill>
                                 <a:latin typeface="Cambria Math" panose="02040503050406030204" pitchFamily="18" charset="0"/>
                               </a:rPr>
-                              <m:t>1</m:t>
-                            </m:r>
-                            <m:r>
-                              <a:rPr lang="en-US" altLang="zh-CN" b="0" i="1" dirty="0" smtClean="0">
-                                <a:solidFill>
-                                  <a:schemeClr val="accent6">
-                                    <a:lumMod val="50000"/>
-                                  </a:schemeClr>
-                                </a:solidFill>
-                                <a:latin typeface="Cambria Math" panose="02040503050406030204" pitchFamily="18" charset="0"/>
-                              </a:rPr>
-                              <m:t>,</m:t>
-                            </m:r>
-                            <m:r>
-                              <a:rPr lang="en-US" altLang="zh-CN" b="0" i="1" dirty="0" smtClean="0">
-                                <a:solidFill>
-                                  <a:schemeClr val="accent6">
-                                    <a:lumMod val="50000"/>
-                                  </a:schemeClr>
-                                </a:solidFill>
-                                <a:latin typeface="Cambria Math" panose="02040503050406030204" pitchFamily="18" charset="0"/>
-                              </a:rPr>
-                              <m:t>0</m:t>
+                              <m:t>1,0</m:t>
                             </m:r>
                           </m:e>
                         </m:d>
@@ -12463,8 +12851,8 @@
             </a:p>
           </p:txBody>
         </p:sp>
-        <mc:AlternateContent xmlns:mc="http://schemas.openxmlformats.org/markup-compatibility/2006">
-          <mc:Choice xmlns:a14="http://schemas.microsoft.com/office/drawing/2010/main" Requires="a14">
+        <mc:AlternateContent xmlns:mc="http://schemas.openxmlformats.org/markup-compatibility/2006" xmlns:a14="http://schemas.microsoft.com/office/drawing/2010/main">
+          <mc:Choice Requires="a14">
             <p:sp>
               <p:nvSpPr>
                 <p:cNvPr id="19" name="TextBox 18">
@@ -12547,7 +12935,7 @@
               </p:txBody>
             </p:sp>
           </mc:Choice>
-          <mc:Fallback>
+          <mc:Fallback xmlns="">
             <p:sp>
               <p:nvSpPr>
                 <p:cNvPr id="19" name="TextBox 18">
@@ -13746,8 +14134,8 @@
             </a:p>
           </p:txBody>
         </p:sp>
-        <mc:AlternateContent xmlns:mc="http://schemas.openxmlformats.org/markup-compatibility/2006">
-          <mc:Choice xmlns:a14="http://schemas.microsoft.com/office/drawing/2010/main" Requires="a14">
+        <mc:AlternateContent xmlns:mc="http://schemas.openxmlformats.org/markup-compatibility/2006" xmlns:a14="http://schemas.microsoft.com/office/drawing/2010/main">
+          <mc:Choice Requires="a14">
             <p:sp>
               <p:nvSpPr>
                 <p:cNvPr id="53" name="TextBox 52">
@@ -13830,7 +14218,7 @@
               </p:txBody>
             </p:sp>
           </mc:Choice>
-          <mc:Fallback>
+          <mc:Fallback xmlns="">
             <p:sp>
               <p:nvSpPr>
                 <p:cNvPr id="53" name="TextBox 52">
@@ -15124,8 +15512,8 @@
                 </p:txBody>
               </p:sp>
             </p:grpSp>
-            <mc:AlternateContent xmlns:mc="http://schemas.openxmlformats.org/markup-compatibility/2006" xmlns:a14="http://schemas.microsoft.com/office/drawing/2010/main">
-              <mc:Choice Requires="a14">
+            <mc:AlternateContent xmlns:mc="http://schemas.openxmlformats.org/markup-compatibility/2006">
+              <mc:Choice xmlns:a14="http://schemas.microsoft.com/office/drawing/2010/main" Requires="a14">
                 <p:sp>
                   <p:nvSpPr>
                     <p:cNvPr id="53" name="TextBox 52">
@@ -15250,14 +15638,14 @@
                                 </a:rPr>
                                 <m:t>,</m:t>
                               </m:r>
-                              <m:sSubSup>
-                                <m:sSubSupPr>
+                              <m:sSup>
+                                <m:sSupPr>
                                   <m:ctrlPr>
                                     <a:rPr lang="en-US" b="0" i="1" smtClean="0">
                                       <a:latin typeface="Cambria Math" panose="02040503050406030204" pitchFamily="18" charset="0"/>
                                     </a:rPr>
                                   </m:ctrlPr>
-                                </m:sSubSupPr>
+                                </m:sSupPr>
                                 <m:e>
                                   <m:r>
                                     <a:rPr lang="en-US" b="1" i="1" smtClean="0">
@@ -15266,14 +15654,6 @@
                                     <m:t>𝒘</m:t>
                                   </m:r>
                                 </m:e>
-                                <m:sub>
-                                  <m:r>
-                                    <a:rPr lang="en-US" b="1" i="1" smtClean="0">
-                                      <a:latin typeface="Cambria Math" panose="02040503050406030204" pitchFamily="18" charset="0"/>
-                                    </a:rPr>
-                                    <m:t>𝒄</m:t>
-                                  </m:r>
-                                </m:sub>
                                 <m:sup>
                                   <m:r>
                                     <a:rPr lang="en-US" b="0" i="1" smtClean="0">
@@ -15282,7 +15662,30 @@
                                     <m:t>∗</m:t>
                                   </m:r>
                                 </m:sup>
-                              </m:sSubSup>
+                              </m:sSup>
+                              <m:d>
+                                <m:dPr>
+                                  <m:ctrlPr>
+                                    <a:rPr lang="en-US" b="0" i="1" smtClean="0">
+                                      <a:latin typeface="Cambria Math" panose="02040503050406030204" pitchFamily="18" charset="0"/>
+                                    </a:rPr>
+                                  </m:ctrlPr>
+                                </m:dPr>
+                                <m:e>
+                                  <m:r>
+                                    <a:rPr lang="en-US" b="1" i="1" smtClean="0">
+                                      <a:latin typeface="Cambria Math" panose="02040503050406030204" pitchFamily="18" charset="0"/>
+                                    </a:rPr>
+                                    <m:t>𝒄</m:t>
+                                  </m:r>
+                                </m:e>
+                              </m:d>
+                              <m:r>
+                                <a:rPr lang="en-US" b="0" i="1" smtClean="0">
+                                  <a:latin typeface="Cambria Math" panose="02040503050406030204" pitchFamily="18" charset="0"/>
+                                </a:rPr>
+                                <m:t> </m:t>
+                              </m:r>
                             </m:e>
                           </m:d>
                         </m:oMath>
@@ -15292,7 +15695,7 @@
                   </p:txBody>
                 </p:sp>
               </mc:Choice>
-              <mc:Fallback xmlns="">
+              <mc:Fallback>
                 <p:sp>
                   <p:nvSpPr>
                     <p:cNvPr id="53" name="TextBox 52">
